--- a/Selenium.pptx
+++ b/Selenium.pptx
@@ -9,16 +9,30 @@
     <p:sldId id="257" r:id="rId3"/>
     <p:sldId id="258" r:id="rId4"/>
     <p:sldId id="259" r:id="rId5"/>
-    <p:sldId id="260" r:id="rId6"/>
-    <p:sldId id="261" r:id="rId7"/>
-    <p:sldId id="262" r:id="rId8"/>
-    <p:sldId id="263" r:id="rId9"/>
-    <p:sldId id="264" r:id="rId10"/>
-    <p:sldId id="265" r:id="rId11"/>
-    <p:sldId id="266" r:id="rId12"/>
-    <p:sldId id="267" r:id="rId13"/>
-    <p:sldId id="268" r:id="rId14"/>
-    <p:sldId id="269" r:id="rId15"/>
+    <p:sldId id="281" r:id="rId6"/>
+    <p:sldId id="260" r:id="rId7"/>
+    <p:sldId id="261" r:id="rId8"/>
+    <p:sldId id="262" r:id="rId9"/>
+    <p:sldId id="263" r:id="rId10"/>
+    <p:sldId id="264" r:id="rId11"/>
+    <p:sldId id="265" r:id="rId12"/>
+    <p:sldId id="266" r:id="rId13"/>
+    <p:sldId id="267" r:id="rId14"/>
+    <p:sldId id="268" r:id="rId15"/>
+    <p:sldId id="269" r:id="rId16"/>
+    <p:sldId id="270" r:id="rId17"/>
+    <p:sldId id="271" r:id="rId18"/>
+    <p:sldId id="272" r:id="rId19"/>
+    <p:sldId id="273" r:id="rId20"/>
+    <p:sldId id="274" r:id="rId21"/>
+    <p:sldId id="275" r:id="rId22"/>
+    <p:sldId id="276" r:id="rId23"/>
+    <p:sldId id="278" r:id="rId24"/>
+    <p:sldId id="277" r:id="rId25"/>
+    <p:sldId id="279" r:id="rId26"/>
+    <p:sldId id="280" r:id="rId27"/>
+    <p:sldId id="282" r:id="rId28"/>
+    <p:sldId id="283" r:id="rId29"/>
   </p:sldIdLst>
   <p:sldSz cx="12192000" cy="6858000"/>
   <p:notesSz cx="6858000" cy="9144000"/>
@@ -626,7 +640,7 @@
           <a:p>
             <a:fld id="{6178FC9F-896B-9442-8D41-B37B5AFF66D2}" type="datetimeFigureOut">
               <a:rPr lang="en-US" smtClean="0"/>
-              <a:t>1/3/26</a:t>
+              <a:t>1/22/26</a:t>
             </a:fld>
             <a:endParaRPr lang="en-US"/>
           </a:p>
@@ -805,7 +819,7 @@
           <a:p>
             <a:fld id="{6178FC9F-896B-9442-8D41-B37B5AFF66D2}" type="datetimeFigureOut">
               <a:rPr lang="en-US" smtClean="0"/>
-              <a:t>1/3/26</a:t>
+              <a:t>1/22/26</a:t>
             </a:fld>
             <a:endParaRPr lang="en-US"/>
           </a:p>
@@ -985,7 +999,7 @@
           <a:p>
             <a:fld id="{6178FC9F-896B-9442-8D41-B37B5AFF66D2}" type="datetimeFigureOut">
               <a:rPr lang="en-US" smtClean="0"/>
-              <a:t>1/3/26</a:t>
+              <a:t>1/22/26</a:t>
             </a:fld>
             <a:endParaRPr lang="en-US"/>
           </a:p>
@@ -1160,7 +1174,7 @@
           <a:p>
             <a:fld id="{6178FC9F-896B-9442-8D41-B37B5AFF66D2}" type="datetimeFigureOut">
               <a:rPr lang="en-US" smtClean="0"/>
-              <a:t>1/3/26</a:t>
+              <a:t>1/22/26</a:t>
             </a:fld>
             <a:endParaRPr lang="en-US"/>
           </a:p>
@@ -1330,7 +1344,7 @@
           <a:p>
             <a:fld id="{6178FC9F-896B-9442-8D41-B37B5AFF66D2}" type="datetimeFigureOut">
               <a:rPr lang="en-US" smtClean="0"/>
-              <a:t>1/3/26</a:t>
+              <a:t>1/22/26</a:t>
             </a:fld>
             <a:endParaRPr lang="en-US"/>
           </a:p>
@@ -1651,7 +1665,7 @@
           <a:p>
             <a:fld id="{6178FC9F-896B-9442-8D41-B37B5AFF66D2}" type="datetimeFigureOut">
               <a:rPr lang="en-US" smtClean="0"/>
-              <a:t>1/3/26</a:t>
+              <a:t>1/22/26</a:t>
             </a:fld>
             <a:endParaRPr lang="en-US"/>
           </a:p>
@@ -2111,7 +2125,7 @@
           <a:p>
             <a:fld id="{6178FC9F-896B-9442-8D41-B37B5AFF66D2}" type="datetimeFigureOut">
               <a:rPr lang="en-US" smtClean="0"/>
-              <a:t>1/3/26</a:t>
+              <a:t>1/22/26</a:t>
             </a:fld>
             <a:endParaRPr lang="en-US"/>
           </a:p>
@@ -2522,7 +2536,7 @@
           <a:p>
             <a:fld id="{6178FC9F-896B-9442-8D41-B37B5AFF66D2}" type="datetimeFigureOut">
               <a:rPr lang="en-US" smtClean="0"/>
-              <a:t>1/3/26</a:t>
+              <a:t>1/22/26</a:t>
             </a:fld>
             <a:endParaRPr lang="en-US"/>
           </a:p>
@@ -2640,7 +2654,7 @@
           <a:p>
             <a:fld id="{6178FC9F-896B-9442-8D41-B37B5AFF66D2}" type="datetimeFigureOut">
               <a:rPr lang="en-US" smtClean="0"/>
-              <a:t>1/3/26</a:t>
+              <a:t>1/22/26</a:t>
             </a:fld>
             <a:endParaRPr lang="en-US"/>
           </a:p>
@@ -2758,7 +2772,7 @@
           <a:p>
             <a:fld id="{6178FC9F-896B-9442-8D41-B37B5AFF66D2}" type="datetimeFigureOut">
               <a:rPr lang="en-US" smtClean="0"/>
-              <a:t>1/3/26</a:t>
+              <a:t>1/22/26</a:t>
             </a:fld>
             <a:endParaRPr lang="en-US"/>
           </a:p>
@@ -3116,7 +3130,7 @@
           <a:p>
             <a:fld id="{6178FC9F-896B-9442-8D41-B37B5AFF66D2}" type="datetimeFigureOut">
               <a:rPr lang="en-US" smtClean="0"/>
-              <a:t>1/3/26</a:t>
+              <a:t>1/22/26</a:t>
             </a:fld>
             <a:endParaRPr lang="en-US"/>
           </a:p>
@@ -3623,7 +3637,7 @@
           <a:p>
             <a:fld id="{6178FC9F-896B-9442-8D41-B37B5AFF66D2}" type="datetimeFigureOut">
               <a:rPr lang="en-US" smtClean="0"/>
-              <a:t>1/3/26</a:t>
+              <a:t>1/22/26</a:t>
             </a:fld>
             <a:endParaRPr lang="en-US"/>
           </a:p>
@@ -3978,7 +3992,7 @@
           <a:p>
             <a:fld id="{6178FC9F-896B-9442-8D41-B37B5AFF66D2}" type="datetimeFigureOut">
               <a:rPr lang="en-US" smtClean="0"/>
-              <a:t>1/3/26</a:t>
+              <a:t>1/22/26</a:t>
             </a:fld>
             <a:endParaRPr lang="en-US"/>
           </a:p>
@@ -4722,6 +4736,164 @@
           <p:cNvPr id="2" name="Title 1">
             <a:extLst>
               <a:ext uri="{FF2B5EF4-FFF2-40B4-BE49-F238E27FC236}">
+                <a16:creationId xmlns:a16="http://schemas.microsoft.com/office/drawing/2014/main" id="{39BBE46B-A7CA-DD65-AA8E-85B97248F97D}"/>
+              </a:ext>
+            </a:extLst>
+          </p:cNvPr>
+          <p:cNvSpPr>
+            <a:spLocks noGrp="1"/>
+          </p:cNvSpPr>
+          <p:nvPr>
+            <p:ph type="title"/>
+          </p:nvPr>
+        </p:nvSpPr>
+        <p:spPr/>
+        <p:txBody>
+          <a:bodyPr/>
+          <a:lstStyle/>
+          <a:p>
+            <a:r>
+              <a:rPr lang="en-US" dirty="0"/>
+              <a:t>2. </a:t>
+            </a:r>
+          </a:p>
+        </p:txBody>
+      </p:sp>
+      <p:sp>
+        <p:nvSpPr>
+          <p:cNvPr id="3" name="Content Placeholder 2">
+            <a:extLst>
+              <a:ext uri="{FF2B5EF4-FFF2-40B4-BE49-F238E27FC236}">
+                <a16:creationId xmlns:a16="http://schemas.microsoft.com/office/drawing/2014/main" id="{CAC823F9-65EB-B13F-0091-3E1EC344728B}"/>
+              </a:ext>
+            </a:extLst>
+          </p:cNvPr>
+          <p:cNvSpPr>
+            <a:spLocks noGrp="1"/>
+          </p:cNvSpPr>
+          <p:nvPr>
+            <p:ph sz="quarter" idx="13"/>
+          </p:nvPr>
+        </p:nvSpPr>
+        <p:spPr/>
+        <p:txBody>
+          <a:bodyPr/>
+          <a:lstStyle/>
+          <a:p>
+            <a:r>
+              <a:rPr lang="en-US" dirty="0"/>
+              <a:t>echo "# </a:t>
+            </a:r>
+            <a:r>
+              <a:rPr lang="en-US" dirty="0" err="1"/>
+              <a:t>SeleniumCourse</a:t>
+            </a:r>
+            <a:r>
+              <a:rPr lang="en-US" dirty="0"/>
+              <a:t>" &gt;&gt; </a:t>
+            </a:r>
+            <a:r>
+              <a:rPr lang="en-US" dirty="0" err="1"/>
+              <a:t>README.md</a:t>
+            </a:r>
+            <a:endParaRPr lang="en-US" dirty="0"/>
+          </a:p>
+          <a:p>
+            <a:r>
+              <a:rPr lang="en-US" dirty="0"/>
+              <a:t>git </a:t>
+            </a:r>
+            <a:r>
+              <a:rPr lang="en-US" dirty="0" err="1"/>
+              <a:t>init</a:t>
+            </a:r>
+            <a:endParaRPr lang="en-US" dirty="0"/>
+          </a:p>
+          <a:p>
+            <a:r>
+              <a:rPr lang="en-US" dirty="0"/>
+              <a:t>git add </a:t>
+            </a:r>
+            <a:r>
+              <a:rPr lang="en-US" dirty="0" err="1"/>
+              <a:t>README.md</a:t>
+            </a:r>
+            <a:endParaRPr lang="en-US" dirty="0"/>
+          </a:p>
+          <a:p>
+            <a:r>
+              <a:rPr lang="en-US" dirty="0"/>
+              <a:t>git commit -m "first commit"</a:t>
+            </a:r>
+          </a:p>
+          <a:p>
+            <a:r>
+              <a:rPr lang="en-US" dirty="0"/>
+              <a:t>git branch -M main</a:t>
+            </a:r>
+          </a:p>
+          <a:p>
+            <a:r>
+              <a:rPr lang="en-US" dirty="0"/>
+              <a:t>git remote add origin </a:t>
+            </a:r>
+            <a:r>
+              <a:rPr lang="en-US" dirty="0" err="1"/>
+              <a:t>git@github.com:rsai-praveen</a:t>
+            </a:r>
+            <a:r>
+              <a:rPr lang="en-US" dirty="0"/>
+              <a:t>/</a:t>
+            </a:r>
+            <a:r>
+              <a:rPr lang="en-US" dirty="0" err="1"/>
+              <a:t>SeleniumCourse.git</a:t>
+            </a:r>
+            <a:endParaRPr lang="en-US" dirty="0"/>
+          </a:p>
+          <a:p>
+            <a:r>
+              <a:rPr lang="en-US" dirty="0"/>
+              <a:t>git push -u origin main</a:t>
+            </a:r>
+          </a:p>
+        </p:txBody>
+      </p:sp>
+    </p:spTree>
+    <p:extLst>
+      <p:ext uri="{BB962C8B-B14F-4D97-AF65-F5344CB8AC3E}">
+        <p14:creationId xmlns:p14="http://schemas.microsoft.com/office/powerpoint/2010/main" val="2569567234"/>
+      </p:ext>
+    </p:extLst>
+  </p:cSld>
+  <p:clrMapOvr>
+    <a:masterClrMapping/>
+  </p:clrMapOvr>
+</p:sld>
+</file>
+
+<file path=ppt/slides/slide11.xml><?xml version="1.0" encoding="utf-8"?>
+<p:sld xmlns:a="http://schemas.openxmlformats.org/drawingml/2006/main" xmlns:r="http://schemas.openxmlformats.org/officeDocument/2006/relationships" xmlns:p="http://schemas.openxmlformats.org/presentationml/2006/main">
+  <p:cSld>
+    <p:spTree>
+      <p:nvGrpSpPr>
+        <p:cNvPr id="1" name=""/>
+        <p:cNvGrpSpPr/>
+        <p:nvPr/>
+      </p:nvGrpSpPr>
+      <p:grpSpPr>
+        <a:xfrm>
+          <a:off x="0" y="0"/>
+          <a:ext cx="0" cy="0"/>
+          <a:chOff x="0" y="0"/>
+          <a:chExt cx="0" cy="0"/>
+        </a:xfrm>
+      </p:grpSpPr>
+      <p:sp>
+        <p:nvSpPr>
+          <p:cNvPr id="2" name="Title 1">
+            <a:extLst>
+              <a:ext uri="{FF2B5EF4-FFF2-40B4-BE49-F238E27FC236}">
                 <a16:creationId xmlns:a16="http://schemas.microsoft.com/office/drawing/2014/main" id="{3CAA93AB-2A97-4B26-105D-07DE793E80C8}"/>
               </a:ext>
             </a:extLst>
@@ -4850,7 +5022,7 @@
 </p:sld>
 </file>
 
-<file path=ppt/slides/slide11.xml><?xml version="1.0" encoding="utf-8"?>
+<file path=ppt/slides/slide12.xml><?xml version="1.0" encoding="utf-8"?>
 <p:sld xmlns:a="http://schemas.openxmlformats.org/drawingml/2006/main" xmlns:r="http://schemas.openxmlformats.org/officeDocument/2006/relationships" xmlns:p="http://schemas.openxmlformats.org/presentationml/2006/main">
   <p:cSld>
     <p:spTree>
@@ -4993,7 +5165,7 @@
 </p:sld>
 </file>
 
-<file path=ppt/slides/slide12.xml><?xml version="1.0" encoding="utf-8"?>
+<file path=ppt/slides/slide13.xml><?xml version="1.0" encoding="utf-8"?>
 <p:sld xmlns:a="http://schemas.openxmlformats.org/drawingml/2006/main" xmlns:r="http://schemas.openxmlformats.org/officeDocument/2006/relationships" xmlns:p="http://schemas.openxmlformats.org/presentationml/2006/main">
   <p:cSld>
     <p:spTree>
@@ -5139,7 +5311,7 @@
 </p:sld>
 </file>
 
-<file path=ppt/slides/slide13.xml><?xml version="1.0" encoding="utf-8"?>
+<file path=ppt/slides/slide14.xml><?xml version="1.0" encoding="utf-8"?>
 <p:sld xmlns:a="http://schemas.openxmlformats.org/drawingml/2006/main" xmlns:r="http://schemas.openxmlformats.org/officeDocument/2006/relationships" xmlns:p="http://schemas.openxmlformats.org/presentationml/2006/main">
   <p:cSld>
     <p:spTree>
@@ -5278,7 +5450,7 @@
 </p:sld>
 </file>
 
-<file path=ppt/slides/slide14.xml><?xml version="1.0" encoding="utf-8"?>
+<file path=ppt/slides/slide15.xml><?xml version="1.0" encoding="utf-8"?>
 <p:sld xmlns:a="http://schemas.openxmlformats.org/drawingml/2006/main" xmlns:r="http://schemas.openxmlformats.org/officeDocument/2006/relationships" xmlns:p="http://schemas.openxmlformats.org/presentationml/2006/main">
   <p:cSld>
     <p:spTree>
@@ -5423,6 +5595,478 @@
 </p:sld>
 </file>
 
+<file path=ppt/slides/slide16.xml><?xml version="1.0" encoding="utf-8"?>
+<p:sld xmlns:a="http://schemas.openxmlformats.org/drawingml/2006/main" xmlns:r="http://schemas.openxmlformats.org/officeDocument/2006/relationships" xmlns:p="http://schemas.openxmlformats.org/presentationml/2006/main">
+  <p:cSld>
+    <p:spTree>
+      <p:nvGrpSpPr>
+        <p:cNvPr id="1" name=""/>
+        <p:cNvGrpSpPr/>
+        <p:nvPr/>
+      </p:nvGrpSpPr>
+      <p:grpSpPr>
+        <a:xfrm>
+          <a:off x="0" y="0"/>
+          <a:ext cx="0" cy="0"/>
+          <a:chOff x="0" y="0"/>
+          <a:chExt cx="0" cy="0"/>
+        </a:xfrm>
+      </p:grpSpPr>
+      <p:sp>
+        <p:nvSpPr>
+          <p:cNvPr id="2" name="Title 1">
+            <a:extLst>
+              <a:ext uri="{FF2B5EF4-FFF2-40B4-BE49-F238E27FC236}">
+                <a16:creationId xmlns:a16="http://schemas.microsoft.com/office/drawing/2014/main" id="{D01F02C7-C726-BF8C-9129-69F91FC90F9D}"/>
+              </a:ext>
+            </a:extLst>
+          </p:cNvPr>
+          <p:cNvSpPr>
+            <a:spLocks noGrp="1"/>
+          </p:cNvSpPr>
+          <p:nvPr>
+            <p:ph type="title"/>
+          </p:nvPr>
+        </p:nvSpPr>
+        <p:spPr/>
+        <p:txBody>
+          <a:bodyPr/>
+          <a:lstStyle/>
+          <a:p>
+            <a:r>
+              <a:rPr lang="en-US" dirty="0"/>
+              <a:t>Locator Techniques</a:t>
+            </a:r>
+          </a:p>
+        </p:txBody>
+      </p:sp>
+      <p:sp>
+        <p:nvSpPr>
+          <p:cNvPr id="3" name="Content Placeholder 2">
+            <a:extLst>
+              <a:ext uri="{FF2B5EF4-FFF2-40B4-BE49-F238E27FC236}">
+                <a16:creationId xmlns:a16="http://schemas.microsoft.com/office/drawing/2014/main" id="{7AF573B0-37BD-BBBD-32E8-1BFE02138909}"/>
+              </a:ext>
+            </a:extLst>
+          </p:cNvPr>
+          <p:cNvSpPr>
+            <a:spLocks noGrp="1"/>
+          </p:cNvSpPr>
+          <p:nvPr>
+            <p:ph sz="quarter" idx="13"/>
+          </p:nvPr>
+        </p:nvSpPr>
+        <p:spPr/>
+        <p:txBody>
+          <a:bodyPr/>
+          <a:lstStyle/>
+          <a:p>
+            <a:r>
+              <a:rPr lang="en-US" dirty="0"/>
+              <a:t>By class all methods are static in nature</a:t>
+            </a:r>
+          </a:p>
+        </p:txBody>
+      </p:sp>
+    </p:spTree>
+    <p:extLst>
+      <p:ext uri="{BB962C8B-B14F-4D97-AF65-F5344CB8AC3E}">
+        <p14:creationId xmlns:p14="http://schemas.microsoft.com/office/powerpoint/2010/main" val="4159232410"/>
+      </p:ext>
+    </p:extLst>
+  </p:cSld>
+  <p:clrMapOvr>
+    <a:masterClrMapping/>
+  </p:clrMapOvr>
+</p:sld>
+</file>
+
+<file path=ppt/slides/slide17.xml><?xml version="1.0" encoding="utf-8"?>
+<p:sld xmlns:a="http://schemas.openxmlformats.org/drawingml/2006/main" xmlns:r="http://schemas.openxmlformats.org/officeDocument/2006/relationships" xmlns:p="http://schemas.openxmlformats.org/presentationml/2006/main">
+  <p:cSld>
+    <p:spTree>
+      <p:nvGrpSpPr>
+        <p:cNvPr id="1" name=""/>
+        <p:cNvGrpSpPr/>
+        <p:nvPr/>
+      </p:nvGrpSpPr>
+      <p:grpSpPr>
+        <a:xfrm>
+          <a:off x="0" y="0"/>
+          <a:ext cx="0" cy="0"/>
+          <a:chOff x="0" y="0"/>
+          <a:chExt cx="0" cy="0"/>
+        </a:xfrm>
+      </p:grpSpPr>
+      <p:sp>
+        <p:nvSpPr>
+          <p:cNvPr id="2" name="Title 1">
+            <a:extLst>
+              <a:ext uri="{FF2B5EF4-FFF2-40B4-BE49-F238E27FC236}">
+                <a16:creationId xmlns:a16="http://schemas.microsoft.com/office/drawing/2014/main" id="{051BF323-1947-FBF8-2AF9-E1FED0482C99}"/>
+              </a:ext>
+            </a:extLst>
+          </p:cNvPr>
+          <p:cNvSpPr>
+            <a:spLocks noGrp="1"/>
+          </p:cNvSpPr>
+          <p:nvPr>
+            <p:ph type="title"/>
+          </p:nvPr>
+        </p:nvSpPr>
+        <p:spPr/>
+        <p:txBody>
+          <a:bodyPr/>
+          <a:lstStyle/>
+          <a:p>
+            <a:endParaRPr lang="en-US"/>
+          </a:p>
+        </p:txBody>
+      </p:sp>
+      <p:sp>
+        <p:nvSpPr>
+          <p:cNvPr id="3" name="Content Placeholder 2">
+            <a:extLst>
+              <a:ext uri="{FF2B5EF4-FFF2-40B4-BE49-F238E27FC236}">
+                <a16:creationId xmlns:a16="http://schemas.microsoft.com/office/drawing/2014/main" id="{FE52A3EE-6EC2-96C1-1FD9-4AA8789EBDAA}"/>
+              </a:ext>
+            </a:extLst>
+          </p:cNvPr>
+          <p:cNvSpPr>
+            <a:spLocks noGrp="1"/>
+          </p:cNvSpPr>
+          <p:nvPr>
+            <p:ph sz="quarter" idx="13"/>
+          </p:nvPr>
+        </p:nvSpPr>
+        <p:spPr/>
+        <p:txBody>
+          <a:bodyPr/>
+          <a:lstStyle/>
+          <a:p>
+            <a:r>
+              <a:rPr lang="en-US" dirty="0"/>
+              <a:t>Based on attributes</a:t>
+            </a:r>
+          </a:p>
+          <a:p>
+            <a:pPr marL="457200" indent="-457200">
+              <a:buFont typeface="+mj-lt"/>
+              <a:buAutoNum type="arabicPeriod"/>
+            </a:pPr>
+            <a:r>
+              <a:rPr lang="en-US" dirty="0"/>
+              <a:t>id(String) =&gt; preference 1 &amp; mostly Unique</a:t>
+            </a:r>
+          </a:p>
+          <a:p>
+            <a:pPr marL="457200" indent="-457200">
+              <a:buFont typeface="+mj-lt"/>
+              <a:buAutoNum type="arabicPeriod"/>
+            </a:pPr>
+            <a:r>
+              <a:rPr lang="en-US" dirty="0"/>
+              <a:t>name(String) =&gt; preference 2</a:t>
+            </a:r>
+          </a:p>
+          <a:p>
+            <a:pPr marL="457200" indent="-457200">
+              <a:buFont typeface="+mj-lt"/>
+              <a:buAutoNum type="arabicPeriod"/>
+            </a:pPr>
+            <a:r>
+              <a:rPr lang="en-US" dirty="0" err="1"/>
+              <a:t>className</a:t>
+            </a:r>
+            <a:r>
+              <a:rPr lang="en-US" dirty="0"/>
+              <a:t>(String) =&gt; Not </a:t>
+            </a:r>
+            <a:r>
+              <a:rPr lang="en-US" dirty="0" err="1"/>
+              <a:t>Prefered</a:t>
+            </a:r>
+            <a:r>
+              <a:rPr lang="en-US" dirty="0"/>
+              <a:t> because same values will exist for Different elements</a:t>
+            </a:r>
+          </a:p>
+          <a:p>
+            <a:r>
+              <a:rPr lang="en-US" dirty="0"/>
+              <a:t>String =&gt; attribute Value in string format</a:t>
+            </a:r>
+          </a:p>
+          <a:p>
+            <a:pPr marL="0" indent="0">
+              <a:buNone/>
+            </a:pPr>
+            <a:endParaRPr lang="en-US" dirty="0"/>
+          </a:p>
+          <a:p>
+            <a:endParaRPr lang="en-US" dirty="0"/>
+          </a:p>
+          <a:p>
+            <a:endParaRPr lang="en-US" dirty="0"/>
+          </a:p>
+        </p:txBody>
+      </p:sp>
+    </p:spTree>
+    <p:extLst>
+      <p:ext uri="{BB962C8B-B14F-4D97-AF65-F5344CB8AC3E}">
+        <p14:creationId xmlns:p14="http://schemas.microsoft.com/office/powerpoint/2010/main" val="2518051964"/>
+      </p:ext>
+    </p:extLst>
+  </p:cSld>
+  <p:clrMapOvr>
+    <a:masterClrMapping/>
+  </p:clrMapOvr>
+</p:sld>
+</file>
+
+<file path=ppt/slides/slide18.xml><?xml version="1.0" encoding="utf-8"?>
+<p:sld xmlns:a="http://schemas.openxmlformats.org/drawingml/2006/main" xmlns:r="http://schemas.openxmlformats.org/officeDocument/2006/relationships" xmlns:p="http://schemas.openxmlformats.org/presentationml/2006/main">
+  <p:cSld>
+    <p:spTree>
+      <p:nvGrpSpPr>
+        <p:cNvPr id="1" name=""/>
+        <p:cNvGrpSpPr/>
+        <p:nvPr/>
+      </p:nvGrpSpPr>
+      <p:grpSpPr>
+        <a:xfrm>
+          <a:off x="0" y="0"/>
+          <a:ext cx="0" cy="0"/>
+          <a:chOff x="0" y="0"/>
+          <a:chExt cx="0" cy="0"/>
+        </a:xfrm>
+      </p:grpSpPr>
+      <p:sp>
+        <p:nvSpPr>
+          <p:cNvPr id="2" name="Title 1">
+            <a:extLst>
+              <a:ext uri="{FF2B5EF4-FFF2-40B4-BE49-F238E27FC236}">
+                <a16:creationId xmlns:a16="http://schemas.microsoft.com/office/drawing/2014/main" id="{52292EF0-9667-3C59-E4C6-A433FA744090}"/>
+              </a:ext>
+            </a:extLst>
+          </p:cNvPr>
+          <p:cNvSpPr>
+            <a:spLocks noGrp="1"/>
+          </p:cNvSpPr>
+          <p:nvPr>
+            <p:ph type="title"/>
+          </p:nvPr>
+        </p:nvSpPr>
+        <p:spPr/>
+        <p:txBody>
+          <a:bodyPr/>
+          <a:lstStyle/>
+          <a:p>
+            <a:endParaRPr lang="en-US"/>
+          </a:p>
+        </p:txBody>
+      </p:sp>
+      <p:sp>
+        <p:nvSpPr>
+          <p:cNvPr id="3" name="Content Placeholder 2">
+            <a:extLst>
+              <a:ext uri="{FF2B5EF4-FFF2-40B4-BE49-F238E27FC236}">
+                <a16:creationId xmlns:a16="http://schemas.microsoft.com/office/drawing/2014/main" id="{0FC15589-F0A8-5932-EEB4-FFA586BA250D}"/>
+              </a:ext>
+            </a:extLst>
+          </p:cNvPr>
+          <p:cNvSpPr>
+            <a:spLocks noGrp="1"/>
+          </p:cNvSpPr>
+          <p:nvPr>
+            <p:ph sz="quarter" idx="13"/>
+          </p:nvPr>
+        </p:nvSpPr>
+        <p:spPr/>
+        <p:txBody>
+          <a:bodyPr/>
+          <a:lstStyle/>
+          <a:p>
+            <a:r>
+              <a:rPr lang="en-US" dirty="0"/>
+              <a:t>Based on link text: applicable for link &lt;a&gt; or anchor tag</a:t>
+            </a:r>
+          </a:p>
+          <a:p>
+            <a:pPr marL="457200" indent="-457200">
+              <a:buFont typeface="+mj-lt"/>
+              <a:buAutoNum type="arabicPeriod"/>
+            </a:pPr>
+            <a:r>
+              <a:rPr lang="en-US" dirty="0" err="1"/>
+              <a:t>linkText</a:t>
+            </a:r>
+            <a:r>
+              <a:rPr lang="en-US" dirty="0"/>
+              <a:t>(string)</a:t>
+            </a:r>
+          </a:p>
+          <a:p>
+            <a:pPr marL="457200" indent="-457200">
+              <a:buFont typeface="+mj-lt"/>
+              <a:buAutoNum type="arabicPeriod"/>
+            </a:pPr>
+            <a:r>
+              <a:rPr lang="en-US" dirty="0" err="1"/>
+              <a:t>partialLinkText</a:t>
+            </a:r>
+            <a:r>
+              <a:rPr lang="en-US" dirty="0"/>
+              <a:t>(String)</a:t>
+            </a:r>
+          </a:p>
+        </p:txBody>
+      </p:sp>
+    </p:spTree>
+    <p:extLst>
+      <p:ext uri="{BB962C8B-B14F-4D97-AF65-F5344CB8AC3E}">
+        <p14:creationId xmlns:p14="http://schemas.microsoft.com/office/powerpoint/2010/main" val="3410102325"/>
+      </p:ext>
+    </p:extLst>
+  </p:cSld>
+  <p:clrMapOvr>
+    <a:masterClrMapping/>
+  </p:clrMapOvr>
+</p:sld>
+</file>
+
+<file path=ppt/slides/slide19.xml><?xml version="1.0" encoding="utf-8"?>
+<p:sld xmlns:a="http://schemas.openxmlformats.org/drawingml/2006/main" xmlns:r="http://schemas.openxmlformats.org/officeDocument/2006/relationships" xmlns:p="http://schemas.openxmlformats.org/presentationml/2006/main">
+  <p:cSld>
+    <p:spTree>
+      <p:nvGrpSpPr>
+        <p:cNvPr id="1" name=""/>
+        <p:cNvGrpSpPr/>
+        <p:nvPr/>
+      </p:nvGrpSpPr>
+      <p:grpSpPr>
+        <a:xfrm>
+          <a:off x="0" y="0"/>
+          <a:ext cx="0" cy="0"/>
+          <a:chOff x="0" y="0"/>
+          <a:chExt cx="0" cy="0"/>
+        </a:xfrm>
+      </p:grpSpPr>
+      <p:sp>
+        <p:nvSpPr>
+          <p:cNvPr id="2" name="Title 1">
+            <a:extLst>
+              <a:ext uri="{FF2B5EF4-FFF2-40B4-BE49-F238E27FC236}">
+                <a16:creationId xmlns:a16="http://schemas.microsoft.com/office/drawing/2014/main" id="{51DCC7C2-E368-621D-53C5-3DC64C40AB28}"/>
+              </a:ext>
+            </a:extLst>
+          </p:cNvPr>
+          <p:cNvSpPr>
+            <a:spLocks noGrp="1"/>
+          </p:cNvSpPr>
+          <p:nvPr>
+            <p:ph type="title"/>
+          </p:nvPr>
+        </p:nvSpPr>
+        <p:spPr/>
+        <p:txBody>
+          <a:bodyPr/>
+          <a:lstStyle/>
+          <a:p>
+            <a:endParaRPr lang="en-US"/>
+          </a:p>
+        </p:txBody>
+      </p:sp>
+      <p:sp>
+        <p:nvSpPr>
+          <p:cNvPr id="3" name="Content Placeholder 2">
+            <a:extLst>
+              <a:ext uri="{FF2B5EF4-FFF2-40B4-BE49-F238E27FC236}">
+                <a16:creationId xmlns:a16="http://schemas.microsoft.com/office/drawing/2014/main" id="{83E9A41B-3E8C-B28C-04E9-CE942F57D93E}"/>
+              </a:ext>
+            </a:extLst>
+          </p:cNvPr>
+          <p:cNvSpPr>
+            <a:spLocks noGrp="1"/>
+          </p:cNvSpPr>
+          <p:nvPr>
+            <p:ph sz="quarter" idx="13"/>
+          </p:nvPr>
+        </p:nvSpPr>
+        <p:spPr/>
+        <p:txBody>
+          <a:bodyPr/>
+          <a:lstStyle/>
+          <a:p>
+            <a:r>
+              <a:rPr lang="en-US" dirty="0"/>
+              <a:t>Based on Tag Name</a:t>
+            </a:r>
+          </a:p>
+          <a:p>
+            <a:pPr marL="0" indent="0">
+              <a:buNone/>
+            </a:pPr>
+            <a:r>
+              <a:rPr lang="en-US" dirty="0" err="1"/>
+              <a:t>tagName</a:t>
+            </a:r>
+            <a:r>
+              <a:rPr lang="en-US" dirty="0"/>
+              <a:t>(String)</a:t>
+            </a:r>
+          </a:p>
+          <a:p>
+            <a:pPr marL="457200" indent="-457200">
+              <a:buFont typeface="+mj-lt"/>
+              <a:buAutoNum type="arabicPeriod"/>
+            </a:pPr>
+            <a:r>
+              <a:rPr lang="en-US" dirty="0"/>
+              <a:t>Not suitable for single element focus </a:t>
+            </a:r>
+          </a:p>
+          <a:p>
+            <a:pPr marL="457200" indent="-457200">
+              <a:buFont typeface="+mj-lt"/>
+              <a:buAutoNum type="arabicPeriod"/>
+            </a:pPr>
+            <a:r>
+              <a:rPr lang="en-US" dirty="0"/>
+              <a:t>Useful to collect single type of </a:t>
+            </a:r>
+            <a:r>
+              <a:rPr lang="en-US" dirty="0" err="1"/>
+              <a:t>tagnames</a:t>
+            </a:r>
+            <a:r>
+              <a:rPr lang="en-US" dirty="0"/>
+              <a:t> (used mostly with </a:t>
+            </a:r>
+            <a:r>
+              <a:rPr lang="en-US" dirty="0" err="1"/>
+              <a:t>findElements</a:t>
+            </a:r>
+            <a:r>
+              <a:rPr lang="en-US" dirty="0"/>
+              <a:t>())</a:t>
+            </a:r>
+          </a:p>
+        </p:txBody>
+      </p:sp>
+    </p:spTree>
+    <p:extLst>
+      <p:ext uri="{BB962C8B-B14F-4D97-AF65-F5344CB8AC3E}">
+        <p14:creationId xmlns:p14="http://schemas.microsoft.com/office/powerpoint/2010/main" val="2330049031"/>
+      </p:ext>
+    </p:extLst>
+  </p:cSld>
+  <p:clrMapOvr>
+    <a:masterClrMapping/>
+  </p:clrMapOvr>
+</p:sld>
+</file>
+
 <file path=ppt/slides/slide2.xml><?xml version="1.0" encoding="utf-8"?>
 <p:sld xmlns:a="http://schemas.openxmlformats.org/drawingml/2006/main" xmlns:r="http://schemas.openxmlformats.org/officeDocument/2006/relationships" xmlns:p="http://schemas.openxmlformats.org/presentationml/2006/main">
   <p:cSld>
@@ -5680,6 +6324,1105 @@
     <p:extLst>
       <p:ext uri="{BB962C8B-B14F-4D97-AF65-F5344CB8AC3E}">
         <p14:creationId xmlns:p14="http://schemas.microsoft.com/office/powerpoint/2010/main" val="1362770145"/>
+      </p:ext>
+    </p:extLst>
+  </p:cSld>
+  <p:clrMapOvr>
+    <a:masterClrMapping/>
+  </p:clrMapOvr>
+</p:sld>
+</file>
+
+<file path=ppt/slides/slide20.xml><?xml version="1.0" encoding="utf-8"?>
+<p:sld xmlns:a="http://schemas.openxmlformats.org/drawingml/2006/main" xmlns:r="http://schemas.openxmlformats.org/officeDocument/2006/relationships" xmlns:p="http://schemas.openxmlformats.org/presentationml/2006/main">
+  <p:cSld>
+    <p:spTree>
+      <p:nvGrpSpPr>
+        <p:cNvPr id="1" name=""/>
+        <p:cNvGrpSpPr/>
+        <p:nvPr/>
+      </p:nvGrpSpPr>
+      <p:grpSpPr>
+        <a:xfrm>
+          <a:off x="0" y="0"/>
+          <a:ext cx="0" cy="0"/>
+          <a:chOff x="0" y="0"/>
+          <a:chExt cx="0" cy="0"/>
+        </a:xfrm>
+      </p:grpSpPr>
+      <p:sp>
+        <p:nvSpPr>
+          <p:cNvPr id="2" name="Title 1">
+            <a:extLst>
+              <a:ext uri="{FF2B5EF4-FFF2-40B4-BE49-F238E27FC236}">
+                <a16:creationId xmlns:a16="http://schemas.microsoft.com/office/drawing/2014/main" id="{C8274BF0-215F-5790-81C8-F158F7C4A09E}"/>
+              </a:ext>
+            </a:extLst>
+          </p:cNvPr>
+          <p:cNvSpPr>
+            <a:spLocks noGrp="1"/>
+          </p:cNvSpPr>
+          <p:nvPr>
+            <p:ph type="title"/>
+          </p:nvPr>
+        </p:nvSpPr>
+        <p:spPr/>
+        <p:txBody>
+          <a:bodyPr/>
+          <a:lstStyle/>
+          <a:p>
+            <a:endParaRPr lang="en-US"/>
+          </a:p>
+        </p:txBody>
+      </p:sp>
+      <p:sp>
+        <p:nvSpPr>
+          <p:cNvPr id="3" name="Content Placeholder 2">
+            <a:extLst>
+              <a:ext uri="{FF2B5EF4-FFF2-40B4-BE49-F238E27FC236}">
+                <a16:creationId xmlns:a16="http://schemas.microsoft.com/office/drawing/2014/main" id="{515630A9-9707-35F2-A2A1-AED5C31D8F06}"/>
+              </a:ext>
+            </a:extLst>
+          </p:cNvPr>
+          <p:cNvSpPr>
+            <a:spLocks noGrp="1"/>
+          </p:cNvSpPr>
+          <p:nvPr>
+            <p:ph sz="quarter" idx="13"/>
+          </p:nvPr>
+        </p:nvSpPr>
+        <p:spPr/>
+        <p:txBody>
+          <a:bodyPr/>
+          <a:lstStyle/>
+          <a:p>
+            <a:r>
+              <a:rPr lang="en-US" dirty="0"/>
+              <a:t>Based on </a:t>
+            </a:r>
+            <a:r>
+              <a:rPr lang="en-US" dirty="0" err="1"/>
+              <a:t>tagne</a:t>
+            </a:r>
+            <a:r>
+              <a:rPr lang="en-US" dirty="0"/>
+              <a:t> &amp; </a:t>
+            </a:r>
+            <a:r>
+              <a:rPr lang="en-US" dirty="0" err="1"/>
+              <a:t>attibutes</a:t>
+            </a:r>
+            <a:r>
+              <a:rPr lang="en-US" dirty="0"/>
+              <a:t> or </a:t>
+            </a:r>
+            <a:r>
+              <a:rPr lang="en-US" dirty="0" err="1"/>
+              <a:t>tagnames,attributes</a:t>
+            </a:r>
+            <a:r>
+              <a:rPr lang="en-US" dirty="0"/>
+              <a:t> &amp;test</a:t>
+            </a:r>
+          </a:p>
+          <a:p>
+            <a:pPr marL="457200" indent="-457200">
+              <a:buFont typeface="+mj-lt"/>
+              <a:buAutoNum type="arabicPeriod"/>
+            </a:pPr>
+            <a:r>
+              <a:rPr lang="en-US" dirty="0" err="1"/>
+              <a:t>xpath</a:t>
+            </a:r>
+            <a:r>
+              <a:rPr lang="en-US" dirty="0"/>
+              <a:t>(String)</a:t>
+            </a:r>
+          </a:p>
+          <a:p>
+            <a:pPr marL="0" indent="0">
+              <a:buNone/>
+            </a:pPr>
+            <a:r>
+              <a:rPr lang="en-US" dirty="0" err="1"/>
+              <a:t>Driver.findElement</a:t>
+            </a:r>
+            <a:r>
+              <a:rPr lang="en-US" dirty="0"/>
+              <a:t>(</a:t>
+            </a:r>
+            <a:r>
+              <a:rPr lang="en-US" dirty="0" err="1"/>
+              <a:t>By.xpath</a:t>
+            </a:r>
+            <a:r>
+              <a:rPr lang="en-US" dirty="0"/>
+              <a:t>(“//td[text()=‘Important note:’]”));</a:t>
+            </a:r>
+          </a:p>
+          <a:p>
+            <a:pPr marL="457200" indent="-457200">
+              <a:buFont typeface="+mj-lt"/>
+              <a:buAutoNum type="arabicPeriod"/>
+            </a:pPr>
+            <a:r>
+              <a:rPr lang="en-US" dirty="0" err="1"/>
+              <a:t>cssSelector</a:t>
+            </a:r>
+            <a:r>
+              <a:rPr lang="en-US" dirty="0"/>
+              <a:t>(String)</a:t>
+            </a:r>
+          </a:p>
+        </p:txBody>
+      </p:sp>
+    </p:spTree>
+    <p:extLst>
+      <p:ext uri="{BB962C8B-B14F-4D97-AF65-F5344CB8AC3E}">
+        <p14:creationId xmlns:p14="http://schemas.microsoft.com/office/powerpoint/2010/main" val="3114696394"/>
+      </p:ext>
+    </p:extLst>
+  </p:cSld>
+  <p:clrMapOvr>
+    <a:masterClrMapping/>
+  </p:clrMapOvr>
+</p:sld>
+</file>
+
+<file path=ppt/slides/slide21.xml><?xml version="1.0" encoding="utf-8"?>
+<p:sld xmlns:a="http://schemas.openxmlformats.org/drawingml/2006/main" xmlns:r="http://schemas.openxmlformats.org/officeDocument/2006/relationships" xmlns:p="http://schemas.openxmlformats.org/presentationml/2006/main">
+  <p:cSld>
+    <p:spTree>
+      <p:nvGrpSpPr>
+        <p:cNvPr id="1" name=""/>
+        <p:cNvGrpSpPr/>
+        <p:nvPr/>
+      </p:nvGrpSpPr>
+      <p:grpSpPr>
+        <a:xfrm>
+          <a:off x="0" y="0"/>
+          <a:ext cx="0" cy="0"/>
+          <a:chOff x="0" y="0"/>
+          <a:chExt cx="0" cy="0"/>
+        </a:xfrm>
+      </p:grpSpPr>
+      <p:sp>
+        <p:nvSpPr>
+          <p:cNvPr id="2" name="Title 1">
+            <a:extLst>
+              <a:ext uri="{FF2B5EF4-FFF2-40B4-BE49-F238E27FC236}">
+                <a16:creationId xmlns:a16="http://schemas.microsoft.com/office/drawing/2014/main" id="{2F13F2DE-BD58-DDC8-397F-3714E964935D}"/>
+              </a:ext>
+            </a:extLst>
+          </p:cNvPr>
+          <p:cNvSpPr>
+            <a:spLocks noGrp="1"/>
+          </p:cNvSpPr>
+          <p:nvPr>
+            <p:ph type="title"/>
+          </p:nvPr>
+        </p:nvSpPr>
+        <p:spPr/>
+        <p:txBody>
+          <a:bodyPr/>
+          <a:lstStyle/>
+          <a:p>
+            <a:r>
+              <a:rPr lang="en-US" dirty="0"/>
+              <a:t>Actions on any element</a:t>
+            </a:r>
+          </a:p>
+        </p:txBody>
+      </p:sp>
+      <p:sp>
+        <p:nvSpPr>
+          <p:cNvPr id="3" name="Content Placeholder 2">
+            <a:extLst>
+              <a:ext uri="{FF2B5EF4-FFF2-40B4-BE49-F238E27FC236}">
+                <a16:creationId xmlns:a16="http://schemas.microsoft.com/office/drawing/2014/main" id="{E0C86350-A35B-0E52-62DC-8CD4810C3207}"/>
+              </a:ext>
+            </a:extLst>
+          </p:cNvPr>
+          <p:cNvSpPr>
+            <a:spLocks noGrp="1"/>
+          </p:cNvSpPr>
+          <p:nvPr>
+            <p:ph sz="quarter" idx="13"/>
+          </p:nvPr>
+        </p:nvSpPr>
+        <p:spPr/>
+        <p:txBody>
+          <a:bodyPr/>
+          <a:lstStyle/>
+          <a:p>
+            <a:r>
+              <a:rPr lang="en-US" dirty="0"/>
+              <a:t>Methods in </a:t>
+            </a:r>
+            <a:r>
+              <a:rPr lang="en-US" dirty="0" err="1"/>
+              <a:t>webelement</a:t>
+            </a:r>
+            <a:r>
+              <a:rPr lang="en-US" dirty="0"/>
+              <a:t>(16+5)</a:t>
+            </a:r>
+          </a:p>
+        </p:txBody>
+      </p:sp>
+    </p:spTree>
+    <p:extLst>
+      <p:ext uri="{BB962C8B-B14F-4D97-AF65-F5344CB8AC3E}">
+        <p14:creationId xmlns:p14="http://schemas.microsoft.com/office/powerpoint/2010/main" val="590761429"/>
+      </p:ext>
+    </p:extLst>
+  </p:cSld>
+  <p:clrMapOvr>
+    <a:masterClrMapping/>
+  </p:clrMapOvr>
+</p:sld>
+</file>
+
+<file path=ppt/slides/slide22.xml><?xml version="1.0" encoding="utf-8"?>
+<p:sld xmlns:a="http://schemas.openxmlformats.org/drawingml/2006/main" xmlns:r="http://schemas.openxmlformats.org/officeDocument/2006/relationships" xmlns:p="http://schemas.openxmlformats.org/presentationml/2006/main">
+  <p:cSld>
+    <p:spTree>
+      <p:nvGrpSpPr>
+        <p:cNvPr id="1" name=""/>
+        <p:cNvGrpSpPr/>
+        <p:nvPr/>
+      </p:nvGrpSpPr>
+      <p:grpSpPr>
+        <a:xfrm>
+          <a:off x="0" y="0"/>
+          <a:ext cx="0" cy="0"/>
+          <a:chOff x="0" y="0"/>
+          <a:chExt cx="0" cy="0"/>
+        </a:xfrm>
+      </p:grpSpPr>
+      <p:sp>
+        <p:nvSpPr>
+          <p:cNvPr id="2" name="Title 1">
+            <a:extLst>
+              <a:ext uri="{FF2B5EF4-FFF2-40B4-BE49-F238E27FC236}">
+                <a16:creationId xmlns:a16="http://schemas.microsoft.com/office/drawing/2014/main" id="{F20570A1-EB32-A2AF-ABD4-B07242503F11}"/>
+              </a:ext>
+            </a:extLst>
+          </p:cNvPr>
+          <p:cNvSpPr>
+            <a:spLocks noGrp="1"/>
+          </p:cNvSpPr>
+          <p:nvPr>
+            <p:ph type="title"/>
+          </p:nvPr>
+        </p:nvSpPr>
+        <p:spPr/>
+        <p:txBody>
+          <a:bodyPr/>
+          <a:lstStyle/>
+          <a:p>
+            <a:r>
+              <a:rPr lang="en-US" dirty="0" err="1"/>
+              <a:t>sendkeys</a:t>
+            </a:r>
+            <a:endParaRPr lang="en-US" dirty="0"/>
+          </a:p>
+        </p:txBody>
+      </p:sp>
+      <p:sp>
+        <p:nvSpPr>
+          <p:cNvPr id="3" name="Content Placeholder 2">
+            <a:extLst>
+              <a:ext uri="{FF2B5EF4-FFF2-40B4-BE49-F238E27FC236}">
+                <a16:creationId xmlns:a16="http://schemas.microsoft.com/office/drawing/2014/main" id="{7F0DC880-E177-B961-F1BE-E7C070AEBAD4}"/>
+              </a:ext>
+            </a:extLst>
+          </p:cNvPr>
+          <p:cNvSpPr>
+            <a:spLocks noGrp="1"/>
+          </p:cNvSpPr>
+          <p:nvPr>
+            <p:ph sz="quarter" idx="13"/>
+          </p:nvPr>
+        </p:nvSpPr>
+        <p:spPr/>
+        <p:txBody>
+          <a:bodyPr/>
+          <a:lstStyle/>
+          <a:p>
+            <a:r>
+              <a:rPr lang="en-US" dirty="0" err="1"/>
+              <a:t>webElement.senKeys</a:t>
+            </a:r>
+            <a:r>
+              <a:rPr lang="en-US" dirty="0"/>
+              <a:t>(“</a:t>
+            </a:r>
+            <a:r>
+              <a:rPr lang="en-US" dirty="0" err="1"/>
+              <a:t>Praveen@gmail.com</a:t>
+            </a:r>
+            <a:r>
+              <a:rPr lang="en-US" dirty="0"/>
+              <a:t>”);</a:t>
+            </a:r>
+          </a:p>
+        </p:txBody>
+      </p:sp>
+    </p:spTree>
+    <p:extLst>
+      <p:ext uri="{BB962C8B-B14F-4D97-AF65-F5344CB8AC3E}">
+        <p14:creationId xmlns:p14="http://schemas.microsoft.com/office/powerpoint/2010/main" val="2656868252"/>
+      </p:ext>
+    </p:extLst>
+  </p:cSld>
+  <p:clrMapOvr>
+    <a:masterClrMapping/>
+  </p:clrMapOvr>
+</p:sld>
+</file>
+
+<file path=ppt/slides/slide23.xml><?xml version="1.0" encoding="utf-8"?>
+<p:sld xmlns:a="http://schemas.openxmlformats.org/drawingml/2006/main" xmlns:r="http://schemas.openxmlformats.org/officeDocument/2006/relationships" xmlns:p="http://schemas.openxmlformats.org/presentationml/2006/main">
+  <p:cSld>
+    <p:spTree>
+      <p:nvGrpSpPr>
+        <p:cNvPr id="1" name=""/>
+        <p:cNvGrpSpPr/>
+        <p:nvPr/>
+      </p:nvGrpSpPr>
+      <p:grpSpPr>
+        <a:xfrm>
+          <a:off x="0" y="0"/>
+          <a:ext cx="0" cy="0"/>
+          <a:chOff x="0" y="0"/>
+          <a:chExt cx="0" cy="0"/>
+        </a:xfrm>
+      </p:grpSpPr>
+      <p:sp>
+        <p:nvSpPr>
+          <p:cNvPr id="2" name="Title 1">
+            <a:extLst>
+              <a:ext uri="{FF2B5EF4-FFF2-40B4-BE49-F238E27FC236}">
+                <a16:creationId xmlns:a16="http://schemas.microsoft.com/office/drawing/2014/main" id="{AED09416-B798-CAB7-A720-8402B9278E71}"/>
+              </a:ext>
+            </a:extLst>
+          </p:cNvPr>
+          <p:cNvSpPr>
+            <a:spLocks noGrp="1"/>
+          </p:cNvSpPr>
+          <p:nvPr>
+            <p:ph type="title"/>
+          </p:nvPr>
+        </p:nvSpPr>
+        <p:spPr/>
+        <p:txBody>
+          <a:bodyPr/>
+          <a:lstStyle/>
+          <a:p>
+            <a:r>
+              <a:rPr lang="en-US" dirty="0"/>
+              <a:t>Click()</a:t>
+            </a:r>
+          </a:p>
+        </p:txBody>
+      </p:sp>
+      <p:sp>
+        <p:nvSpPr>
+          <p:cNvPr id="3" name="Content Placeholder 2">
+            <a:extLst>
+              <a:ext uri="{FF2B5EF4-FFF2-40B4-BE49-F238E27FC236}">
+                <a16:creationId xmlns:a16="http://schemas.microsoft.com/office/drawing/2014/main" id="{A37C3C44-9077-E763-9FEF-3CA16F856707}"/>
+              </a:ext>
+            </a:extLst>
+          </p:cNvPr>
+          <p:cNvSpPr>
+            <a:spLocks noGrp="1"/>
+          </p:cNvSpPr>
+          <p:nvPr>
+            <p:ph sz="quarter" idx="13"/>
+          </p:nvPr>
+        </p:nvSpPr>
+        <p:spPr/>
+        <p:txBody>
+          <a:bodyPr/>
+          <a:lstStyle/>
+          <a:p>
+            <a:r>
+              <a:rPr lang="en-US" dirty="0" err="1"/>
+              <a:t>webElemnet.click</a:t>
+            </a:r>
+            <a:r>
+              <a:rPr lang="en-US" dirty="0"/>
+              <a:t>()</a:t>
+            </a:r>
+          </a:p>
+          <a:p>
+            <a:r>
+              <a:rPr lang="en-US" dirty="0"/>
+              <a:t>It performs the click button operation</a:t>
+            </a:r>
+          </a:p>
+        </p:txBody>
+      </p:sp>
+    </p:spTree>
+    <p:extLst>
+      <p:ext uri="{BB962C8B-B14F-4D97-AF65-F5344CB8AC3E}">
+        <p14:creationId xmlns:p14="http://schemas.microsoft.com/office/powerpoint/2010/main" val="1426059009"/>
+      </p:ext>
+    </p:extLst>
+  </p:cSld>
+  <p:clrMapOvr>
+    <a:masterClrMapping/>
+  </p:clrMapOvr>
+</p:sld>
+</file>
+
+<file path=ppt/slides/slide24.xml><?xml version="1.0" encoding="utf-8"?>
+<p:sld xmlns:a="http://schemas.openxmlformats.org/drawingml/2006/main" xmlns:r="http://schemas.openxmlformats.org/officeDocument/2006/relationships" xmlns:p="http://schemas.openxmlformats.org/presentationml/2006/main">
+  <p:cSld>
+    <p:spTree>
+      <p:nvGrpSpPr>
+        <p:cNvPr id="1" name=""/>
+        <p:cNvGrpSpPr/>
+        <p:nvPr/>
+      </p:nvGrpSpPr>
+      <p:grpSpPr>
+        <a:xfrm>
+          <a:off x="0" y="0"/>
+          <a:ext cx="0" cy="0"/>
+          <a:chOff x="0" y="0"/>
+          <a:chExt cx="0" cy="0"/>
+        </a:xfrm>
+      </p:grpSpPr>
+      <p:sp>
+        <p:nvSpPr>
+          <p:cNvPr id="2" name="Title 1">
+            <a:extLst>
+              <a:ext uri="{FF2B5EF4-FFF2-40B4-BE49-F238E27FC236}">
+                <a16:creationId xmlns:a16="http://schemas.microsoft.com/office/drawing/2014/main" id="{707B68D9-664A-4BC4-DA40-082C93B058F3}"/>
+              </a:ext>
+            </a:extLst>
+          </p:cNvPr>
+          <p:cNvSpPr>
+            <a:spLocks noGrp="1"/>
+          </p:cNvSpPr>
+          <p:nvPr>
+            <p:ph type="title"/>
+          </p:nvPr>
+        </p:nvSpPr>
+        <p:spPr/>
+        <p:txBody>
+          <a:bodyPr/>
+          <a:lstStyle/>
+          <a:p>
+            <a:r>
+              <a:rPr lang="en-US" dirty="0"/>
+              <a:t>Clear()</a:t>
+            </a:r>
+          </a:p>
+        </p:txBody>
+      </p:sp>
+      <p:sp>
+        <p:nvSpPr>
+          <p:cNvPr id="3" name="Content Placeholder 2">
+            <a:extLst>
+              <a:ext uri="{FF2B5EF4-FFF2-40B4-BE49-F238E27FC236}">
+                <a16:creationId xmlns:a16="http://schemas.microsoft.com/office/drawing/2014/main" id="{F5939CD9-5F15-1DDD-E376-12D3D72331CA}"/>
+              </a:ext>
+            </a:extLst>
+          </p:cNvPr>
+          <p:cNvSpPr>
+            <a:spLocks noGrp="1"/>
+          </p:cNvSpPr>
+          <p:nvPr>
+            <p:ph sz="quarter" idx="13"/>
+          </p:nvPr>
+        </p:nvSpPr>
+        <p:spPr/>
+        <p:txBody>
+          <a:bodyPr/>
+          <a:lstStyle/>
+          <a:p>
+            <a:r>
+              <a:rPr lang="en-US" dirty="0" err="1"/>
+              <a:t>webElement.clear</a:t>
+            </a:r>
+            <a:r>
+              <a:rPr lang="en-US" dirty="0"/>
+              <a:t>();</a:t>
+            </a:r>
+          </a:p>
+          <a:p>
+            <a:r>
+              <a:rPr lang="en-US" dirty="0"/>
+              <a:t>It will clear the existing data in </a:t>
+            </a:r>
+            <a:r>
+              <a:rPr lang="en-US" dirty="0" err="1"/>
+              <a:t>webelement</a:t>
+            </a:r>
+            <a:endParaRPr lang="en-US" dirty="0"/>
+          </a:p>
+        </p:txBody>
+      </p:sp>
+    </p:spTree>
+    <p:extLst>
+      <p:ext uri="{BB962C8B-B14F-4D97-AF65-F5344CB8AC3E}">
+        <p14:creationId xmlns:p14="http://schemas.microsoft.com/office/powerpoint/2010/main" val="3067803266"/>
+      </p:ext>
+    </p:extLst>
+  </p:cSld>
+  <p:clrMapOvr>
+    <a:masterClrMapping/>
+  </p:clrMapOvr>
+</p:sld>
+</file>
+
+<file path=ppt/slides/slide25.xml><?xml version="1.0" encoding="utf-8"?>
+<p:sld xmlns:a="http://schemas.openxmlformats.org/drawingml/2006/main" xmlns:r="http://schemas.openxmlformats.org/officeDocument/2006/relationships" xmlns:p="http://schemas.openxmlformats.org/presentationml/2006/main">
+  <p:cSld>
+    <p:spTree>
+      <p:nvGrpSpPr>
+        <p:cNvPr id="1" name=""/>
+        <p:cNvGrpSpPr/>
+        <p:nvPr/>
+      </p:nvGrpSpPr>
+      <p:grpSpPr>
+        <a:xfrm>
+          <a:off x="0" y="0"/>
+          <a:ext cx="0" cy="0"/>
+          <a:chOff x="0" y="0"/>
+          <a:chExt cx="0" cy="0"/>
+        </a:xfrm>
+      </p:grpSpPr>
+      <p:sp>
+        <p:nvSpPr>
+          <p:cNvPr id="2" name="Title 1">
+            <a:extLst>
+              <a:ext uri="{FF2B5EF4-FFF2-40B4-BE49-F238E27FC236}">
+                <a16:creationId xmlns:a16="http://schemas.microsoft.com/office/drawing/2014/main" id="{DCAD2A8F-0433-1FFF-ADA8-A4D0017A2439}"/>
+              </a:ext>
+            </a:extLst>
+          </p:cNvPr>
+          <p:cNvSpPr>
+            <a:spLocks noGrp="1"/>
+          </p:cNvSpPr>
+          <p:nvPr>
+            <p:ph type="title"/>
+          </p:nvPr>
+        </p:nvSpPr>
+        <p:spPr/>
+        <p:txBody>
+          <a:bodyPr/>
+          <a:lstStyle/>
+          <a:p>
+            <a:r>
+              <a:rPr lang="en-US" dirty="0" err="1"/>
+              <a:t>getText</a:t>
+            </a:r>
+            <a:r>
+              <a:rPr lang="en-US" dirty="0"/>
+              <a:t>()</a:t>
+            </a:r>
+          </a:p>
+        </p:txBody>
+      </p:sp>
+      <p:sp>
+        <p:nvSpPr>
+          <p:cNvPr id="3" name="Content Placeholder 2">
+            <a:extLst>
+              <a:ext uri="{FF2B5EF4-FFF2-40B4-BE49-F238E27FC236}">
+                <a16:creationId xmlns:a16="http://schemas.microsoft.com/office/drawing/2014/main" id="{D1364E42-54E2-69E1-73DB-3124676D31D3}"/>
+              </a:ext>
+            </a:extLst>
+          </p:cNvPr>
+          <p:cNvSpPr>
+            <a:spLocks noGrp="1"/>
+          </p:cNvSpPr>
+          <p:nvPr>
+            <p:ph sz="quarter" idx="13"/>
+          </p:nvPr>
+        </p:nvSpPr>
+        <p:spPr/>
+        <p:txBody>
+          <a:bodyPr/>
+          <a:lstStyle/>
+          <a:p>
+            <a:r>
+              <a:rPr lang="en-US" dirty="0" err="1"/>
+              <a:t>webElement.getText</a:t>
+            </a:r>
+            <a:r>
+              <a:rPr lang="en-US" dirty="0"/>
+              <a:t>()</a:t>
+            </a:r>
+          </a:p>
+          <a:p>
+            <a:r>
+              <a:rPr lang="en-US" dirty="0"/>
+              <a:t>To get the visible text from website in string format</a:t>
+            </a:r>
+          </a:p>
+        </p:txBody>
+      </p:sp>
+    </p:spTree>
+    <p:extLst>
+      <p:ext uri="{BB962C8B-B14F-4D97-AF65-F5344CB8AC3E}">
+        <p14:creationId xmlns:p14="http://schemas.microsoft.com/office/powerpoint/2010/main" val="441462425"/>
+      </p:ext>
+    </p:extLst>
+  </p:cSld>
+  <p:clrMapOvr>
+    <a:masterClrMapping/>
+  </p:clrMapOvr>
+</p:sld>
+</file>
+
+<file path=ppt/slides/slide26.xml><?xml version="1.0" encoding="utf-8"?>
+<p:sld xmlns:a="http://schemas.openxmlformats.org/drawingml/2006/main" xmlns:r="http://schemas.openxmlformats.org/officeDocument/2006/relationships" xmlns:p="http://schemas.openxmlformats.org/presentationml/2006/main">
+  <p:cSld>
+    <p:spTree>
+      <p:nvGrpSpPr>
+        <p:cNvPr id="1" name=""/>
+        <p:cNvGrpSpPr/>
+        <p:nvPr/>
+      </p:nvGrpSpPr>
+      <p:grpSpPr>
+        <a:xfrm>
+          <a:off x="0" y="0"/>
+          <a:ext cx="0" cy="0"/>
+          <a:chOff x="0" y="0"/>
+          <a:chExt cx="0" cy="0"/>
+        </a:xfrm>
+      </p:grpSpPr>
+      <p:sp>
+        <p:nvSpPr>
+          <p:cNvPr id="2" name="Title 1">
+            <a:extLst>
+              <a:ext uri="{FF2B5EF4-FFF2-40B4-BE49-F238E27FC236}">
+                <a16:creationId xmlns:a16="http://schemas.microsoft.com/office/drawing/2014/main" id="{CCFA587B-86AF-2C1B-CC58-FB4081FDE841}"/>
+              </a:ext>
+            </a:extLst>
+          </p:cNvPr>
+          <p:cNvSpPr>
+            <a:spLocks noGrp="1"/>
+          </p:cNvSpPr>
+          <p:nvPr>
+            <p:ph type="title"/>
+          </p:nvPr>
+        </p:nvSpPr>
+        <p:spPr/>
+        <p:txBody>
+          <a:bodyPr/>
+          <a:lstStyle/>
+          <a:p>
+            <a:r>
+              <a:rPr lang="en-US" dirty="0" err="1"/>
+              <a:t>getattribute</a:t>
+            </a:r>
+            <a:endParaRPr lang="en-US" dirty="0"/>
+          </a:p>
+        </p:txBody>
+      </p:sp>
+      <p:sp>
+        <p:nvSpPr>
+          <p:cNvPr id="3" name="Content Placeholder 2">
+            <a:extLst>
+              <a:ext uri="{FF2B5EF4-FFF2-40B4-BE49-F238E27FC236}">
+                <a16:creationId xmlns:a16="http://schemas.microsoft.com/office/drawing/2014/main" id="{B950F67C-65CF-57A3-18A6-E7ABD4802930}"/>
+              </a:ext>
+            </a:extLst>
+          </p:cNvPr>
+          <p:cNvSpPr>
+            <a:spLocks noGrp="1"/>
+          </p:cNvSpPr>
+          <p:nvPr>
+            <p:ph sz="quarter" idx="13"/>
+          </p:nvPr>
+        </p:nvSpPr>
+        <p:spPr/>
+        <p:txBody>
+          <a:bodyPr/>
+          <a:lstStyle/>
+          <a:p>
+            <a:r>
+              <a:rPr lang="en-US" dirty="0"/>
+              <a:t>Its give the </a:t>
+            </a:r>
+            <a:r>
+              <a:rPr lang="en-US" dirty="0" err="1"/>
+              <a:t>vaue</a:t>
+            </a:r>
+            <a:r>
+              <a:rPr lang="en-US" dirty="0"/>
+              <a:t> for the attribute present in </a:t>
+            </a:r>
+            <a:r>
+              <a:rPr lang="en-US" dirty="0" err="1"/>
+              <a:t>webelement</a:t>
+            </a:r>
+            <a:endParaRPr lang="en-US" dirty="0"/>
+          </a:p>
+          <a:p>
+            <a:endParaRPr lang="en-US" dirty="0"/>
+          </a:p>
+          <a:p>
+            <a:r>
+              <a:rPr lang="en-US" dirty="0"/>
+              <a:t>Case1:attribute present</a:t>
+            </a:r>
+          </a:p>
+          <a:p>
+            <a:pPr marL="0" indent="0">
+              <a:buNone/>
+            </a:pPr>
+            <a:r>
+              <a:rPr lang="en-US" dirty="0"/>
+              <a:t>Output: Returns value</a:t>
+            </a:r>
+          </a:p>
+          <a:p>
+            <a:r>
+              <a:rPr lang="en-US" dirty="0"/>
+              <a:t>Case2: attribute is not present</a:t>
+            </a:r>
+          </a:p>
+          <a:p>
+            <a:pPr marL="0" indent="0">
+              <a:buNone/>
+            </a:pPr>
+            <a:r>
+              <a:rPr lang="en-US" dirty="0"/>
+              <a:t>Output: Returns empty String or null</a:t>
+            </a:r>
+          </a:p>
+          <a:p>
+            <a:r>
+              <a:rPr lang="en-US" dirty="0"/>
+              <a:t>Case 3: attribute present but value not assigned(checkbox/radio buttons)</a:t>
+            </a:r>
+          </a:p>
+          <a:p>
+            <a:pPr marL="0" indent="0">
+              <a:buNone/>
+            </a:pPr>
+            <a:r>
+              <a:rPr lang="en-US" dirty="0"/>
+              <a:t>Output: Returns true</a:t>
+            </a:r>
+          </a:p>
+          <a:p>
+            <a:endParaRPr lang="en-US" dirty="0"/>
+          </a:p>
+        </p:txBody>
+      </p:sp>
+      <p:pic>
+        <p:nvPicPr>
+          <p:cNvPr id="4" name="Picture 3">
+            <a:extLst>
+              <a:ext uri="{FF2B5EF4-FFF2-40B4-BE49-F238E27FC236}">
+                <a16:creationId xmlns:a16="http://schemas.microsoft.com/office/drawing/2014/main" id="{FB599C61-684B-A7C3-E195-301454F78F6A}"/>
+              </a:ext>
+            </a:extLst>
+          </p:cNvPr>
+          <p:cNvPicPr>
+            <a:picLocks noChangeAspect="1"/>
+          </p:cNvPicPr>
+          <p:nvPr/>
+        </p:nvPicPr>
+        <p:blipFill>
+          <a:blip r:embed="rId2"/>
+          <a:stretch>
+            <a:fillRect/>
+          </a:stretch>
+        </p:blipFill>
+        <p:spPr>
+          <a:xfrm>
+            <a:off x="2264393" y="2679287"/>
+            <a:ext cx="7188200" cy="596900"/>
+          </a:xfrm>
+          <a:prstGeom prst="rect">
+            <a:avLst/>
+          </a:prstGeom>
+        </p:spPr>
+      </p:pic>
+    </p:spTree>
+    <p:extLst>
+      <p:ext uri="{BB962C8B-B14F-4D97-AF65-F5344CB8AC3E}">
+        <p14:creationId xmlns:p14="http://schemas.microsoft.com/office/powerpoint/2010/main" val="3301430242"/>
+      </p:ext>
+    </p:extLst>
+  </p:cSld>
+  <p:clrMapOvr>
+    <a:masterClrMapping/>
+  </p:clrMapOvr>
+</p:sld>
+</file>
+
+<file path=ppt/slides/slide27.xml><?xml version="1.0" encoding="utf-8"?>
+<p:sld xmlns:a="http://schemas.openxmlformats.org/drawingml/2006/main" xmlns:r="http://schemas.openxmlformats.org/officeDocument/2006/relationships" xmlns:p="http://schemas.openxmlformats.org/presentationml/2006/main">
+  <p:cSld>
+    <p:spTree>
+      <p:nvGrpSpPr>
+        <p:cNvPr id="1" name=""/>
+        <p:cNvGrpSpPr/>
+        <p:nvPr/>
+      </p:nvGrpSpPr>
+      <p:grpSpPr>
+        <a:xfrm>
+          <a:off x="0" y="0"/>
+          <a:ext cx="0" cy="0"/>
+          <a:chOff x="0" y="0"/>
+          <a:chExt cx="0" cy="0"/>
+        </a:xfrm>
+      </p:grpSpPr>
+      <p:sp>
+        <p:nvSpPr>
+          <p:cNvPr id="2" name="Title 1">
+            <a:extLst>
+              <a:ext uri="{FF2B5EF4-FFF2-40B4-BE49-F238E27FC236}">
+                <a16:creationId xmlns:a16="http://schemas.microsoft.com/office/drawing/2014/main" id="{0A026E41-AA02-7900-92C5-036803116FB0}"/>
+              </a:ext>
+            </a:extLst>
+          </p:cNvPr>
+          <p:cNvSpPr>
+            <a:spLocks noGrp="1"/>
+          </p:cNvSpPr>
+          <p:nvPr>
+            <p:ph type="title"/>
+          </p:nvPr>
+        </p:nvSpPr>
+        <p:spPr/>
+        <p:txBody>
+          <a:bodyPr/>
+          <a:lstStyle/>
+          <a:p>
+            <a:r>
+              <a:rPr lang="en-US" dirty="0" err="1"/>
+              <a:t>Getcssvalue</a:t>
+            </a:r>
+            <a:r>
+              <a:rPr lang="en-US" dirty="0"/>
+              <a:t>(string)</a:t>
+            </a:r>
+          </a:p>
+        </p:txBody>
+      </p:sp>
+      <p:sp>
+        <p:nvSpPr>
+          <p:cNvPr id="3" name="Content Placeholder 2">
+            <a:extLst>
+              <a:ext uri="{FF2B5EF4-FFF2-40B4-BE49-F238E27FC236}">
+                <a16:creationId xmlns:a16="http://schemas.microsoft.com/office/drawing/2014/main" id="{DA23BAC9-F2E6-877C-1770-163E941E2F9F}"/>
+              </a:ext>
+            </a:extLst>
+          </p:cNvPr>
+          <p:cNvSpPr>
+            <a:spLocks noGrp="1"/>
+          </p:cNvSpPr>
+          <p:nvPr>
+            <p:ph sz="quarter" idx="13"/>
+          </p:nvPr>
+        </p:nvSpPr>
+        <p:spPr/>
+        <p:txBody>
+          <a:bodyPr/>
+          <a:lstStyle/>
+          <a:p>
+            <a:r>
+              <a:rPr lang="en-US" dirty="0"/>
+              <a:t>Color value return in format of </a:t>
+            </a:r>
+            <a:r>
+              <a:rPr lang="en-US" dirty="0" err="1"/>
+              <a:t>RGBa</a:t>
+            </a:r>
+            <a:r>
+              <a:rPr lang="en-US" dirty="0"/>
+              <a:t> instead of HEX value</a:t>
+            </a:r>
+          </a:p>
+        </p:txBody>
+      </p:sp>
+      <p:pic>
+        <p:nvPicPr>
+          <p:cNvPr id="4" name="Picture 3">
+            <a:extLst>
+              <a:ext uri="{FF2B5EF4-FFF2-40B4-BE49-F238E27FC236}">
+                <a16:creationId xmlns:a16="http://schemas.microsoft.com/office/drawing/2014/main" id="{A95C7616-FD8A-CAB6-D278-887E5FC7F697}"/>
+              </a:ext>
+            </a:extLst>
+          </p:cNvPr>
+          <p:cNvPicPr>
+            <a:picLocks noChangeAspect="1"/>
+          </p:cNvPicPr>
+          <p:nvPr/>
+        </p:nvPicPr>
+        <p:blipFill>
+          <a:blip r:embed="rId2"/>
+          <a:stretch>
+            <a:fillRect/>
+          </a:stretch>
+        </p:blipFill>
+        <p:spPr>
+          <a:xfrm>
+            <a:off x="1069848" y="2925866"/>
+            <a:ext cx="7251700" cy="317500"/>
+          </a:xfrm>
+          <a:prstGeom prst="rect">
+            <a:avLst/>
+          </a:prstGeom>
+        </p:spPr>
+      </p:pic>
+    </p:spTree>
+    <p:extLst>
+      <p:ext uri="{BB962C8B-B14F-4D97-AF65-F5344CB8AC3E}">
+        <p14:creationId xmlns:p14="http://schemas.microsoft.com/office/powerpoint/2010/main" val="4236825698"/>
+      </p:ext>
+    </p:extLst>
+  </p:cSld>
+  <p:clrMapOvr>
+    <a:masterClrMapping/>
+  </p:clrMapOvr>
+</p:sld>
+</file>
+
+<file path=ppt/slides/slide28.xml><?xml version="1.0" encoding="utf-8"?>
+<p:sld xmlns:a="http://schemas.openxmlformats.org/drawingml/2006/main" xmlns:r="http://schemas.openxmlformats.org/officeDocument/2006/relationships" xmlns:p="http://schemas.openxmlformats.org/presentationml/2006/main">
+  <p:cSld>
+    <p:spTree>
+      <p:nvGrpSpPr>
+        <p:cNvPr id="1" name=""/>
+        <p:cNvGrpSpPr/>
+        <p:nvPr/>
+      </p:nvGrpSpPr>
+      <p:grpSpPr>
+        <a:xfrm>
+          <a:off x="0" y="0"/>
+          <a:ext cx="0" cy="0"/>
+          <a:chOff x="0" y="0"/>
+          <a:chExt cx="0" cy="0"/>
+        </a:xfrm>
+      </p:grpSpPr>
+      <p:sp>
+        <p:nvSpPr>
+          <p:cNvPr id="2" name="Title 1">
+            <a:extLst>
+              <a:ext uri="{FF2B5EF4-FFF2-40B4-BE49-F238E27FC236}">
+                <a16:creationId xmlns:a16="http://schemas.microsoft.com/office/drawing/2014/main" id="{F59BFB7C-4CC9-D6D3-653E-F2AED72A3315}"/>
+              </a:ext>
+            </a:extLst>
+          </p:cNvPr>
+          <p:cNvSpPr>
+            <a:spLocks noGrp="1"/>
+          </p:cNvSpPr>
+          <p:nvPr>
+            <p:ph type="title"/>
+          </p:nvPr>
+        </p:nvSpPr>
+        <p:spPr/>
+        <p:txBody>
+          <a:bodyPr>
+            <a:normAutofit fontScale="90000"/>
+          </a:bodyPr>
+          <a:lstStyle/>
+          <a:p>
+            <a:r>
+              <a:rPr lang="en-US" dirty="0" err="1"/>
+              <a:t>Getlocation</a:t>
+            </a:r>
+            <a:r>
+              <a:rPr lang="en-US" dirty="0"/>
+              <a:t>()</a:t>
+            </a:r>
+            <a:br>
+              <a:rPr lang="en-US" dirty="0"/>
+            </a:br>
+            <a:r>
+              <a:rPr lang="en-US" dirty="0" err="1"/>
+              <a:t>getsize</a:t>
+            </a:r>
+            <a:r>
+              <a:rPr lang="en-US" dirty="0"/>
+              <a:t>()</a:t>
+            </a:r>
+            <a:br>
+              <a:rPr lang="en-US" dirty="0"/>
+            </a:br>
+            <a:r>
+              <a:rPr lang="en-US" dirty="0" err="1"/>
+              <a:t>getrect</a:t>
+            </a:r>
+            <a:r>
+              <a:rPr lang="en-US" dirty="0"/>
+              <a:t>()</a:t>
+            </a:r>
+          </a:p>
+        </p:txBody>
+      </p:sp>
+      <p:sp>
+        <p:nvSpPr>
+          <p:cNvPr id="3" name="Content Placeholder 2">
+            <a:extLst>
+              <a:ext uri="{FF2B5EF4-FFF2-40B4-BE49-F238E27FC236}">
+                <a16:creationId xmlns:a16="http://schemas.microsoft.com/office/drawing/2014/main" id="{7F3FFD90-10C6-1E31-6ADB-2F10132525C3}"/>
+              </a:ext>
+            </a:extLst>
+          </p:cNvPr>
+          <p:cNvSpPr>
+            <a:spLocks noGrp="1"/>
+          </p:cNvSpPr>
+          <p:nvPr>
+            <p:ph sz="quarter" idx="13"/>
+          </p:nvPr>
+        </p:nvSpPr>
+        <p:spPr/>
+        <p:txBody>
+          <a:bodyPr/>
+          <a:lstStyle/>
+          <a:p>
+            <a:r>
+              <a:rPr lang="en-US" dirty="0"/>
+              <a:t>1</a:t>
+            </a:r>
+          </a:p>
+        </p:txBody>
+      </p:sp>
+      <p:pic>
+        <p:nvPicPr>
+          <p:cNvPr id="5" name="Picture 4">
+            <a:extLst>
+              <a:ext uri="{FF2B5EF4-FFF2-40B4-BE49-F238E27FC236}">
+                <a16:creationId xmlns:a16="http://schemas.microsoft.com/office/drawing/2014/main" id="{2E3879CC-5D9E-D7D4-7256-C61842AF6F47}"/>
+              </a:ext>
+            </a:extLst>
+          </p:cNvPr>
+          <p:cNvPicPr>
+            <a:picLocks noChangeAspect="1"/>
+          </p:cNvPicPr>
+          <p:nvPr/>
+        </p:nvPicPr>
+        <p:blipFill>
+          <a:blip r:embed="rId2"/>
+          <a:stretch>
+            <a:fillRect/>
+          </a:stretch>
+        </p:blipFill>
+        <p:spPr>
+          <a:xfrm>
+            <a:off x="1281133" y="2915145"/>
+            <a:ext cx="6565900" cy="647700"/>
+          </a:xfrm>
+          <a:prstGeom prst="rect">
+            <a:avLst/>
+          </a:prstGeom>
+        </p:spPr>
+      </p:pic>
+    </p:spTree>
+    <p:extLst>
+      <p:ext uri="{BB962C8B-B14F-4D97-AF65-F5344CB8AC3E}">
+        <p14:creationId xmlns:p14="http://schemas.microsoft.com/office/powerpoint/2010/main" val="1351314207"/>
       </p:ext>
     </p:extLst>
   </p:cSld>
@@ -5994,10 +7737,10 @@
       </p:grpSpPr>
       <p:sp>
         <p:nvSpPr>
-          <p:cNvPr id="2" name="Title 1">
+          <p:cNvPr id="3" name="Content Placeholder 2">
             <a:extLst>
               <a:ext uri="{FF2B5EF4-FFF2-40B4-BE49-F238E27FC236}">
-                <a16:creationId xmlns:a16="http://schemas.microsoft.com/office/drawing/2014/main" id="{70D012B7-6796-5B7A-4CD3-AD1874226468}"/>
+                <a16:creationId xmlns:a16="http://schemas.microsoft.com/office/drawing/2014/main" id="{5FF548C3-7E3E-9254-261E-2139165FF3F8}"/>
               </a:ext>
             </a:extLst>
           </p:cNvPr>
@@ -6005,92 +7748,96 @@
             <a:spLocks noGrp="1"/>
           </p:cNvSpPr>
           <p:nvPr>
-            <p:ph type="title"/>
-          </p:nvPr>
-        </p:nvSpPr>
-        <p:spPr/>
-        <p:txBody>
-          <a:bodyPr/>
-          <a:lstStyle/>
-          <a:p>
-            <a:endParaRPr lang="en-US"/>
-          </a:p>
-        </p:txBody>
-      </p:sp>
-      <p:pic>
-        <p:nvPicPr>
-          <p:cNvPr id="5" name="Content Placeholder 4" descr="A screenshot of a computer&#10;&#10;AI-generated content may be incorrect.">
-            <a:extLst>
-              <a:ext uri="{FF2B5EF4-FFF2-40B4-BE49-F238E27FC236}">
-                <a16:creationId xmlns:a16="http://schemas.microsoft.com/office/drawing/2014/main" id="{8FD136E9-7DA0-7779-6989-552E4CB1BB72}"/>
-              </a:ext>
-            </a:extLst>
-          </p:cNvPr>
-          <p:cNvPicPr>
-            <a:picLocks noGrp="1" noChangeAspect="1"/>
-          </p:cNvPicPr>
-          <p:nvPr>
             <p:ph sz="quarter" idx="13"/>
           </p:nvPr>
-        </p:nvPicPr>
-        <p:blipFill>
-          <a:blip r:embed="rId2"/>
-          <a:stretch>
-            <a:fillRect/>
-          </a:stretch>
-        </p:blipFill>
+        </p:nvSpPr>
         <p:spPr>
           <a:xfrm>
-            <a:off x="2165005" y="2366963"/>
-            <a:ext cx="7861990" cy="3424237"/>
+            <a:off x="913774" y="558140"/>
+            <a:ext cx="10363826" cy="5233059"/>
           </a:xfrm>
         </p:spPr>
-      </p:pic>
-      <p:sp>
-        <p:nvSpPr>
-          <p:cNvPr id="6" name="TextBox 5">
-            <a:extLst>
-              <a:ext uri="{FF2B5EF4-FFF2-40B4-BE49-F238E27FC236}">
-                <a16:creationId xmlns:a16="http://schemas.microsoft.com/office/drawing/2014/main" id="{DE1DAB16-E1E7-FEC9-87EF-F6D4FD921B72}"/>
-              </a:ext>
-            </a:extLst>
-          </p:cNvPr>
-          <p:cNvSpPr txBox="1"/>
-          <p:nvPr/>
-        </p:nvSpPr>
-        <p:spPr>
-          <a:xfrm>
-            <a:off x="1959429" y="6008914"/>
-            <a:ext cx="4346368" cy="646331"/>
-          </a:xfrm>
-          <a:prstGeom prst="rect">
-            <a:avLst/>
-          </a:prstGeom>
-          <a:noFill/>
-        </p:spPr>
-        <p:txBody>
-          <a:bodyPr wrap="square" rtlCol="0">
-            <a:spAutoFit/>
-          </a:bodyPr>
-          <a:lstStyle/>
-          <a:p>
-            <a:r>
-              <a:rPr lang="en-US" dirty="0"/>
-              <a:t>I =&gt; interface</a:t>
-            </a:r>
-          </a:p>
-          <a:p>
-            <a:r>
-              <a:rPr lang="en-US" dirty="0"/>
-              <a:t>C =&gt; Class</a:t>
-            </a:r>
+        <p:txBody>
+          <a:bodyPr/>
+          <a:lstStyle/>
+          <a:p>
+            <a:pPr marL="457200" indent="-457200">
+              <a:buAutoNum type="arabicPeriod"/>
+            </a:pPr>
+            <a:r>
+              <a:rPr lang="en-US" dirty="0" err="1"/>
+              <a:t>webDriver</a:t>
+            </a:r>
+            <a:r>
+              <a:rPr lang="en-US" dirty="0"/>
+              <a:t> Architecture</a:t>
+            </a:r>
+          </a:p>
+          <a:p>
+            <a:pPr marL="457200" indent="-457200">
+              <a:buAutoNum type="arabicPeriod"/>
+            </a:pPr>
+            <a:r>
+              <a:rPr lang="en-US" dirty="0"/>
+              <a:t>Search Context</a:t>
+            </a:r>
+          </a:p>
+          <a:p>
+            <a:pPr marL="457200" indent="-457200">
+              <a:buAutoNum type="arabicPeriod"/>
+            </a:pPr>
+            <a:r>
+              <a:rPr lang="en-US" dirty="0" err="1"/>
+              <a:t>webDriver</a:t>
+            </a:r>
+            <a:r>
+              <a:rPr lang="en-US" dirty="0"/>
+              <a:t> Methods &amp; Interfaces</a:t>
+            </a:r>
+          </a:p>
+          <a:p>
+            <a:pPr marL="457200" indent="-457200">
+              <a:buAutoNum type="arabicPeriod"/>
+            </a:pPr>
+            <a:r>
+              <a:rPr lang="en-US" dirty="0" err="1"/>
+              <a:t>webElement</a:t>
+            </a:r>
+            <a:r>
+              <a:rPr lang="en-US" dirty="0"/>
+              <a:t> Methods</a:t>
+            </a:r>
+          </a:p>
+          <a:p>
+            <a:pPr marL="457200" indent="-457200">
+              <a:buAutoNum type="arabicPeriod"/>
+            </a:pPr>
+            <a:endParaRPr lang="en-US" dirty="0"/>
+          </a:p>
+          <a:p>
+            <a:pPr marL="457200" indent="-457200">
+              <a:buAutoNum type="arabicPeriod"/>
+            </a:pPr>
+            <a:endParaRPr lang="en-US" dirty="0"/>
+          </a:p>
+          <a:p>
+            <a:pPr marL="457200" indent="-457200">
+              <a:buAutoNum type="arabicPeriod"/>
+            </a:pPr>
+            <a:endParaRPr lang="en-US" dirty="0"/>
+          </a:p>
+          <a:p>
+            <a:pPr marL="457200" indent="-457200">
+              <a:buAutoNum type="arabicPeriod"/>
+            </a:pPr>
+            <a:endParaRPr lang="en-US" dirty="0"/>
           </a:p>
         </p:txBody>
       </p:sp>
     </p:spTree>
     <p:extLst>
       <p:ext uri="{BB962C8B-B14F-4D97-AF65-F5344CB8AC3E}">
-        <p14:creationId xmlns:p14="http://schemas.microsoft.com/office/powerpoint/2010/main" val="3655629500"/>
+        <p14:creationId xmlns:p14="http://schemas.microsoft.com/office/powerpoint/2010/main" val="1126255685"/>
       </p:ext>
     </p:extLst>
   </p:cSld>
@@ -6122,7 +7869,7 @@
           <p:cNvPr id="2" name="Title 1">
             <a:extLst>
               <a:ext uri="{FF2B5EF4-FFF2-40B4-BE49-F238E27FC236}">
-                <a16:creationId xmlns:a16="http://schemas.microsoft.com/office/drawing/2014/main" id="{D564068B-3E0A-1DB5-CA48-CC8E78B70BFD}"/>
+                <a16:creationId xmlns:a16="http://schemas.microsoft.com/office/drawing/2014/main" id="{70D012B7-6796-5B7A-4CD3-AD1874226468}"/>
               </a:ext>
             </a:extLst>
           </p:cNvPr>
@@ -6142,178 +7889,80 @@
           </a:p>
         </p:txBody>
       </p:sp>
-      <p:sp>
-        <p:nvSpPr>
-          <p:cNvPr id="3" name="Content Placeholder 2">
+      <p:pic>
+        <p:nvPicPr>
+          <p:cNvPr id="5" name="Content Placeholder 4" descr="A screenshot of a computer&#10;&#10;AI-generated content may be incorrect.">
             <a:extLst>
               <a:ext uri="{FF2B5EF4-FFF2-40B4-BE49-F238E27FC236}">
-                <a16:creationId xmlns:a16="http://schemas.microsoft.com/office/drawing/2014/main" id="{DC2CB3B1-FE01-1F19-8973-C127348E17B4}"/>
+                <a16:creationId xmlns:a16="http://schemas.microsoft.com/office/drawing/2014/main" id="{8FD136E9-7DA0-7779-6989-552E4CB1BB72}"/>
               </a:ext>
             </a:extLst>
           </p:cNvPr>
-          <p:cNvSpPr>
-            <a:spLocks noGrp="1"/>
-          </p:cNvSpPr>
+          <p:cNvPicPr>
+            <a:picLocks noGrp="1" noChangeAspect="1"/>
+          </p:cNvPicPr>
           <p:nvPr>
             <p:ph sz="quarter" idx="13"/>
           </p:nvPr>
-        </p:nvSpPr>
-        <p:spPr/>
-        <p:txBody>
-          <a:bodyPr>
-            <a:normAutofit fontScale="92500" lnSpcReduction="10000"/>
+        </p:nvPicPr>
+        <p:blipFill>
+          <a:blip r:embed="rId2"/>
+          <a:stretch>
+            <a:fillRect/>
+          </a:stretch>
+        </p:blipFill>
+        <p:spPr>
+          <a:xfrm>
+            <a:off x="2165005" y="2366963"/>
+            <a:ext cx="7861990" cy="3424237"/>
+          </a:xfrm>
+        </p:spPr>
+      </p:pic>
+      <p:sp>
+        <p:nvSpPr>
+          <p:cNvPr id="6" name="TextBox 5">
+            <a:extLst>
+              <a:ext uri="{FF2B5EF4-FFF2-40B4-BE49-F238E27FC236}">
+                <a16:creationId xmlns:a16="http://schemas.microsoft.com/office/drawing/2014/main" id="{DE1DAB16-E1E7-FEC9-87EF-F6D4FD921B72}"/>
+              </a:ext>
+            </a:extLst>
+          </p:cNvPr>
+          <p:cNvSpPr txBox="1"/>
+          <p:nvPr/>
+        </p:nvSpPr>
+        <p:spPr>
+          <a:xfrm>
+            <a:off x="1959429" y="6008914"/>
+            <a:ext cx="4346368" cy="646331"/>
+          </a:xfrm>
+          <a:prstGeom prst="rect">
+            <a:avLst/>
+          </a:prstGeom>
+          <a:noFill/>
+        </p:spPr>
+        <p:txBody>
+          <a:bodyPr wrap="square" rtlCol="0">
+            <a:spAutoFit/>
           </a:bodyPr>
           <a:lstStyle/>
           <a:p>
             <a:r>
-              <a:rPr lang="en-US" dirty="0" err="1"/>
-              <a:t>SearchContext</a:t>
-            </a:r>
-            <a:r>
-              <a:rPr lang="en-US" dirty="0"/>
-              <a:t>(I)</a:t>
-            </a:r>
-          </a:p>
-          <a:p>
-            <a:pPr marL="457200" indent="-457200">
-              <a:buFont typeface="+mj-lt"/>
-              <a:buAutoNum type="arabicPeriod"/>
-            </a:pPr>
-            <a:r>
-              <a:rPr lang="en-US" dirty="0" err="1"/>
-              <a:t>findElement</a:t>
-            </a:r>
-            <a:r>
-              <a:rPr lang="en-US" dirty="0"/>
-              <a:t>(By) =&gt; </a:t>
-            </a:r>
-            <a:r>
-              <a:rPr lang="en-US" dirty="0" err="1"/>
-              <a:t>org.openqa.selenium.SearchContext.findElement</a:t>
-            </a:r>
-            <a:r>
-              <a:rPr lang="en-US" dirty="0"/>
-              <a:t>(By)</a:t>
-            </a:r>
-          </a:p>
-          <a:p>
-            <a:pPr marL="457200" indent="-457200">
-              <a:buFont typeface="+mj-lt"/>
-              <a:buAutoNum type="arabicPeriod"/>
-            </a:pPr>
-            <a:r>
-              <a:rPr lang="en-US" dirty="0" err="1"/>
-              <a:t>findElements</a:t>
-            </a:r>
-            <a:r>
-              <a:rPr lang="en-US" dirty="0"/>
-              <a:t>(By) =&gt; </a:t>
-            </a:r>
-            <a:r>
-              <a:rPr lang="en-US" dirty="0" err="1"/>
-              <a:t>org.openqa.selenium.SearchContext.findElements</a:t>
-            </a:r>
-            <a:r>
-              <a:rPr lang="en-US" dirty="0"/>
-              <a:t>(By)</a:t>
-            </a:r>
-          </a:p>
-          <a:p>
-            <a:r>
-              <a:rPr lang="en-US" dirty="0"/>
-              <a:t>WebDriver(I) =&gt;</a:t>
-            </a:r>
-            <a:r>
-              <a:rPr lang="en-US" dirty="0" err="1"/>
-              <a:t>org.openqa.selenium.WebDriver</a:t>
-            </a:r>
-            <a:endParaRPr lang="en-US" dirty="0"/>
-          </a:p>
-          <a:p>
-            <a:pPr marL="457200" indent="-457200">
-              <a:buFont typeface="+mj-lt"/>
-              <a:buAutoNum type="arabicPeriod"/>
-            </a:pPr>
-            <a:r>
-              <a:rPr lang="en-US" dirty="0"/>
-              <a:t>Navigation (I) =&gt; </a:t>
-            </a:r>
-            <a:r>
-              <a:rPr lang="en-US" dirty="0" err="1"/>
-              <a:t>org.openqa.selenium.WebDriver.Navigation</a:t>
-            </a:r>
-            <a:endParaRPr lang="en-US" dirty="0"/>
-          </a:p>
-          <a:p>
-            <a:pPr marL="457200" indent="-457200">
-              <a:buFont typeface="+mj-lt"/>
-              <a:buAutoNum type="arabicPeriod"/>
-            </a:pPr>
-            <a:r>
-              <a:rPr lang="en-US" dirty="0"/>
-              <a:t>Options (I) =&gt; </a:t>
-            </a:r>
-            <a:r>
-              <a:rPr lang="en-US" dirty="0" err="1"/>
-              <a:t>org.openqa.selenium.WebDriver.Options</a:t>
-            </a:r>
-            <a:endParaRPr lang="en-US" dirty="0"/>
-          </a:p>
-          <a:p>
-            <a:pPr marL="457200" indent="-457200">
-              <a:buFont typeface="+mj-lt"/>
-              <a:buAutoNum type="arabicPeriod"/>
-            </a:pPr>
-            <a:r>
-              <a:rPr lang="en-US" dirty="0" err="1"/>
-              <a:t>TargetLocator</a:t>
-            </a:r>
-            <a:r>
-              <a:rPr lang="en-US" dirty="0"/>
-              <a:t> (I) =&gt; </a:t>
-            </a:r>
-            <a:r>
-              <a:rPr lang="en-US" dirty="0" err="1"/>
-              <a:t>org.openqa.selenium.WebDriver.TargetLocator</a:t>
-            </a:r>
-            <a:endParaRPr lang="en-US" dirty="0"/>
-          </a:p>
-          <a:p>
-            <a:pPr marL="457200" indent="-457200">
-              <a:buFont typeface="+mj-lt"/>
-              <a:buAutoNum type="arabicPeriod"/>
-            </a:pPr>
-            <a:r>
-              <a:rPr lang="en-US" dirty="0"/>
-              <a:t>Timeouts (I) =&gt; </a:t>
-            </a:r>
-            <a:r>
-              <a:rPr lang="en-US" dirty="0" err="1"/>
-              <a:t>org.openqa.selenium.WebDriver.Timeouts</a:t>
-            </a:r>
-            <a:endParaRPr lang="en-US" dirty="0"/>
-          </a:p>
-          <a:p>
-            <a:pPr marL="457200" indent="-457200">
-              <a:buFont typeface="+mj-lt"/>
-              <a:buAutoNum type="arabicPeriod"/>
-            </a:pPr>
-            <a:r>
-              <a:rPr lang="en-US" dirty="0"/>
-              <a:t>Window (I) =&gt; </a:t>
-            </a:r>
-            <a:r>
-              <a:rPr lang="en-US" dirty="0" err="1"/>
-              <a:t>org.openqa.selenium.WebDriver.Window</a:t>
-            </a:r>
-            <a:endParaRPr lang="en-US" dirty="0"/>
+              <a:rPr lang="en-US" dirty="0"/>
+              <a:t>I =&gt; interface</a:t>
+            </a:r>
+          </a:p>
+          <a:p>
+            <a:r>
+              <a:rPr lang="en-US" dirty="0"/>
+              <a:t>C =&gt; Class</a:t>
+            </a:r>
           </a:p>
         </p:txBody>
       </p:sp>
     </p:spTree>
     <p:extLst>
       <p:ext uri="{BB962C8B-B14F-4D97-AF65-F5344CB8AC3E}">
-        <p14:creationId xmlns:p14="http://schemas.microsoft.com/office/powerpoint/2010/main" val="2540064981"/>
+        <p14:creationId xmlns:p14="http://schemas.microsoft.com/office/powerpoint/2010/main" val="3655629500"/>
       </p:ext>
     </p:extLst>
   </p:cSld>
@@ -6345,6 +7994,229 @@
           <p:cNvPr id="2" name="Title 1">
             <a:extLst>
               <a:ext uri="{FF2B5EF4-FFF2-40B4-BE49-F238E27FC236}">
+                <a16:creationId xmlns:a16="http://schemas.microsoft.com/office/drawing/2014/main" id="{D564068B-3E0A-1DB5-CA48-CC8E78B70BFD}"/>
+              </a:ext>
+            </a:extLst>
+          </p:cNvPr>
+          <p:cNvSpPr>
+            <a:spLocks noGrp="1"/>
+          </p:cNvSpPr>
+          <p:nvPr>
+            <p:ph type="title"/>
+          </p:nvPr>
+        </p:nvSpPr>
+        <p:spPr/>
+        <p:txBody>
+          <a:bodyPr/>
+          <a:lstStyle/>
+          <a:p>
+            <a:endParaRPr lang="en-US"/>
+          </a:p>
+        </p:txBody>
+      </p:sp>
+      <p:sp>
+        <p:nvSpPr>
+          <p:cNvPr id="3" name="Content Placeholder 2">
+            <a:extLst>
+              <a:ext uri="{FF2B5EF4-FFF2-40B4-BE49-F238E27FC236}">
+                <a16:creationId xmlns:a16="http://schemas.microsoft.com/office/drawing/2014/main" id="{DC2CB3B1-FE01-1F19-8973-C127348E17B4}"/>
+              </a:ext>
+            </a:extLst>
+          </p:cNvPr>
+          <p:cNvSpPr>
+            <a:spLocks noGrp="1"/>
+          </p:cNvSpPr>
+          <p:nvPr>
+            <p:ph sz="quarter" idx="13"/>
+          </p:nvPr>
+        </p:nvSpPr>
+        <p:spPr/>
+        <p:txBody>
+          <a:bodyPr>
+            <a:normAutofit fontScale="92500" lnSpcReduction="10000"/>
+          </a:bodyPr>
+          <a:lstStyle/>
+          <a:p>
+            <a:r>
+              <a:rPr lang="en-US" dirty="0" err="1"/>
+              <a:t>SearchContext</a:t>
+            </a:r>
+            <a:r>
+              <a:rPr lang="en-US" dirty="0"/>
+              <a:t>(I)</a:t>
+            </a:r>
+          </a:p>
+          <a:p>
+            <a:pPr marL="457200" indent="-457200">
+              <a:buFont typeface="+mj-lt"/>
+              <a:buAutoNum type="arabicPeriod"/>
+            </a:pPr>
+            <a:r>
+              <a:rPr lang="en-US" dirty="0" err="1"/>
+              <a:t>findElement</a:t>
+            </a:r>
+            <a:r>
+              <a:rPr lang="en-US" dirty="0"/>
+              <a:t>(By) =&gt; </a:t>
+            </a:r>
+            <a:r>
+              <a:rPr lang="en-US" dirty="0" err="1"/>
+              <a:t>org.openqa.selenium.SearchContext.findElement</a:t>
+            </a:r>
+            <a:r>
+              <a:rPr lang="en-US" dirty="0"/>
+              <a:t>(By)</a:t>
+            </a:r>
+          </a:p>
+          <a:p>
+            <a:pPr marL="457200" indent="-457200">
+              <a:buFont typeface="+mj-lt"/>
+              <a:buAutoNum type="arabicPeriod"/>
+            </a:pPr>
+            <a:r>
+              <a:rPr lang="en-US" dirty="0" err="1"/>
+              <a:t>findElements</a:t>
+            </a:r>
+            <a:r>
+              <a:rPr lang="en-US" dirty="0"/>
+              <a:t>(By) =&gt; </a:t>
+            </a:r>
+            <a:r>
+              <a:rPr lang="en-US" dirty="0" err="1"/>
+              <a:t>org.openqa.selenium.SearchContext.findElements</a:t>
+            </a:r>
+            <a:r>
+              <a:rPr lang="en-US" dirty="0"/>
+              <a:t>(By)</a:t>
+            </a:r>
+          </a:p>
+          <a:p>
+            <a:r>
+              <a:rPr lang="en-US" dirty="0"/>
+              <a:t>WebDriver(I) =&gt;</a:t>
+            </a:r>
+            <a:r>
+              <a:rPr lang="en-US" dirty="0" err="1"/>
+              <a:t>org.openqa.selenium.WebDriver</a:t>
+            </a:r>
+            <a:endParaRPr lang="en-US" dirty="0"/>
+          </a:p>
+          <a:p>
+            <a:pPr marL="457200" indent="-457200">
+              <a:buFont typeface="+mj-lt"/>
+              <a:buAutoNum type="arabicPeriod"/>
+            </a:pPr>
+            <a:r>
+              <a:rPr lang="en-US" dirty="0"/>
+              <a:t>Navigation (I) =&gt; </a:t>
+            </a:r>
+            <a:r>
+              <a:rPr lang="en-US" dirty="0" err="1"/>
+              <a:t>org.openqa.selenium.WebDriver.Navigation</a:t>
+            </a:r>
+            <a:endParaRPr lang="en-US" dirty="0"/>
+          </a:p>
+          <a:p>
+            <a:pPr marL="457200" indent="-457200">
+              <a:buFont typeface="+mj-lt"/>
+              <a:buAutoNum type="arabicPeriod"/>
+            </a:pPr>
+            <a:r>
+              <a:rPr lang="en-US" dirty="0"/>
+              <a:t>Options (I) =&gt; </a:t>
+            </a:r>
+            <a:r>
+              <a:rPr lang="en-US" dirty="0" err="1"/>
+              <a:t>org.openqa.selenium.WebDriver.Options</a:t>
+            </a:r>
+            <a:endParaRPr lang="en-US" dirty="0"/>
+          </a:p>
+          <a:p>
+            <a:pPr marL="457200" indent="-457200">
+              <a:buFont typeface="+mj-lt"/>
+              <a:buAutoNum type="arabicPeriod"/>
+            </a:pPr>
+            <a:r>
+              <a:rPr lang="en-US" dirty="0" err="1"/>
+              <a:t>TargetLocator</a:t>
+            </a:r>
+            <a:r>
+              <a:rPr lang="en-US" dirty="0"/>
+              <a:t> (I) =&gt; </a:t>
+            </a:r>
+            <a:r>
+              <a:rPr lang="en-US" dirty="0" err="1"/>
+              <a:t>org.openqa.selenium.WebDriver.TargetLocator</a:t>
+            </a:r>
+            <a:endParaRPr lang="en-US" dirty="0"/>
+          </a:p>
+          <a:p>
+            <a:pPr marL="457200" indent="-457200">
+              <a:buFont typeface="+mj-lt"/>
+              <a:buAutoNum type="arabicPeriod"/>
+            </a:pPr>
+            <a:r>
+              <a:rPr lang="en-US" dirty="0"/>
+              <a:t>Timeouts (I) =&gt; </a:t>
+            </a:r>
+            <a:r>
+              <a:rPr lang="en-US" dirty="0" err="1"/>
+              <a:t>org.openqa.selenium.WebDriver.Timeouts</a:t>
+            </a:r>
+            <a:endParaRPr lang="en-US" dirty="0"/>
+          </a:p>
+          <a:p>
+            <a:pPr marL="457200" indent="-457200">
+              <a:buFont typeface="+mj-lt"/>
+              <a:buAutoNum type="arabicPeriod"/>
+            </a:pPr>
+            <a:r>
+              <a:rPr lang="en-US" dirty="0"/>
+              <a:t>Window (I) =&gt; </a:t>
+            </a:r>
+            <a:r>
+              <a:rPr lang="en-US" dirty="0" err="1"/>
+              <a:t>org.openqa.selenium.WebDriver.Window</a:t>
+            </a:r>
+            <a:endParaRPr lang="en-US" dirty="0"/>
+          </a:p>
+        </p:txBody>
+      </p:sp>
+    </p:spTree>
+    <p:extLst>
+      <p:ext uri="{BB962C8B-B14F-4D97-AF65-F5344CB8AC3E}">
+        <p14:creationId xmlns:p14="http://schemas.microsoft.com/office/powerpoint/2010/main" val="2540064981"/>
+      </p:ext>
+    </p:extLst>
+  </p:cSld>
+  <p:clrMapOvr>
+    <a:masterClrMapping/>
+  </p:clrMapOvr>
+</p:sld>
+</file>
+
+<file path=ppt/slides/slide8.xml><?xml version="1.0" encoding="utf-8"?>
+<p:sld xmlns:a="http://schemas.openxmlformats.org/drawingml/2006/main" xmlns:r="http://schemas.openxmlformats.org/officeDocument/2006/relationships" xmlns:p="http://schemas.openxmlformats.org/presentationml/2006/main">
+  <p:cSld>
+    <p:spTree>
+      <p:nvGrpSpPr>
+        <p:cNvPr id="1" name=""/>
+        <p:cNvGrpSpPr/>
+        <p:nvPr/>
+      </p:nvGrpSpPr>
+      <p:grpSpPr>
+        <a:xfrm>
+          <a:off x="0" y="0"/>
+          <a:ext cx="0" cy="0"/>
+          <a:chOff x="0" y="0"/>
+          <a:chExt cx="0" cy="0"/>
+        </a:xfrm>
+      </p:grpSpPr>
+      <p:sp>
+        <p:nvSpPr>
+          <p:cNvPr id="2" name="Title 1">
+            <a:extLst>
+              <a:ext uri="{FF2B5EF4-FFF2-40B4-BE49-F238E27FC236}">
                 <a16:creationId xmlns:a16="http://schemas.microsoft.com/office/drawing/2014/main" id="{706A35C6-4484-7DC3-A2B4-0227332C9FE1}"/>
               </a:ext>
             </a:extLst>
@@ -6413,7 +8285,18 @@
                   <a:srgbClr val="0070C0"/>
                 </a:solidFill>
               </a:rPr>
-              <a:t>WebDriver(I)</a:t>
+              <a:t>WebDriver(I)  =&gt; </a:t>
+            </a:r>
+            <a:r>
+              <a:rPr lang="en-US" b="1" dirty="0">
+                <a:solidFill>
+                  <a:srgbClr val="FF0000"/>
+                </a:solidFill>
+                <a:highlight>
+                  <a:srgbClr val="FFFF00"/>
+                </a:highlight>
+              </a:rPr>
+              <a:t>5 sub interfaces &amp; 13 methods</a:t>
             </a:r>
           </a:p>
           <a:p>
@@ -6719,7 +8602,7 @@
 </p:sld>
 </file>
 
-<file path=ppt/slides/slide8.xml><?xml version="1.0" encoding="utf-8"?>
+<file path=ppt/slides/slide9.xml><?xml version="1.0" encoding="utf-8"?>
 <p:sld xmlns:a="http://schemas.openxmlformats.org/drawingml/2006/main" xmlns:r="http://schemas.openxmlformats.org/officeDocument/2006/relationships" xmlns:p="http://schemas.openxmlformats.org/presentationml/2006/main">
   <p:cSld>
     <p:spTree>
@@ -6914,164 +8797,6 @@
     <p:extLst>
       <p:ext uri="{BB962C8B-B14F-4D97-AF65-F5344CB8AC3E}">
         <p14:creationId xmlns:p14="http://schemas.microsoft.com/office/powerpoint/2010/main" val="3059440092"/>
-      </p:ext>
-    </p:extLst>
-  </p:cSld>
-  <p:clrMapOvr>
-    <a:masterClrMapping/>
-  </p:clrMapOvr>
-</p:sld>
-</file>
-
-<file path=ppt/slides/slide9.xml><?xml version="1.0" encoding="utf-8"?>
-<p:sld xmlns:a="http://schemas.openxmlformats.org/drawingml/2006/main" xmlns:r="http://schemas.openxmlformats.org/officeDocument/2006/relationships" xmlns:p="http://schemas.openxmlformats.org/presentationml/2006/main">
-  <p:cSld>
-    <p:spTree>
-      <p:nvGrpSpPr>
-        <p:cNvPr id="1" name=""/>
-        <p:cNvGrpSpPr/>
-        <p:nvPr/>
-      </p:nvGrpSpPr>
-      <p:grpSpPr>
-        <a:xfrm>
-          <a:off x="0" y="0"/>
-          <a:ext cx="0" cy="0"/>
-          <a:chOff x="0" y="0"/>
-          <a:chExt cx="0" cy="0"/>
-        </a:xfrm>
-      </p:grpSpPr>
-      <p:sp>
-        <p:nvSpPr>
-          <p:cNvPr id="2" name="Title 1">
-            <a:extLst>
-              <a:ext uri="{FF2B5EF4-FFF2-40B4-BE49-F238E27FC236}">
-                <a16:creationId xmlns:a16="http://schemas.microsoft.com/office/drawing/2014/main" id="{39BBE46B-A7CA-DD65-AA8E-85B97248F97D}"/>
-              </a:ext>
-            </a:extLst>
-          </p:cNvPr>
-          <p:cNvSpPr>
-            <a:spLocks noGrp="1"/>
-          </p:cNvSpPr>
-          <p:nvPr>
-            <p:ph type="title"/>
-          </p:nvPr>
-        </p:nvSpPr>
-        <p:spPr/>
-        <p:txBody>
-          <a:bodyPr/>
-          <a:lstStyle/>
-          <a:p>
-            <a:r>
-              <a:rPr lang="en-US" dirty="0"/>
-              <a:t>2. </a:t>
-            </a:r>
-          </a:p>
-        </p:txBody>
-      </p:sp>
-      <p:sp>
-        <p:nvSpPr>
-          <p:cNvPr id="3" name="Content Placeholder 2">
-            <a:extLst>
-              <a:ext uri="{FF2B5EF4-FFF2-40B4-BE49-F238E27FC236}">
-                <a16:creationId xmlns:a16="http://schemas.microsoft.com/office/drawing/2014/main" id="{CAC823F9-65EB-B13F-0091-3E1EC344728B}"/>
-              </a:ext>
-            </a:extLst>
-          </p:cNvPr>
-          <p:cNvSpPr>
-            <a:spLocks noGrp="1"/>
-          </p:cNvSpPr>
-          <p:nvPr>
-            <p:ph sz="quarter" idx="13"/>
-          </p:nvPr>
-        </p:nvSpPr>
-        <p:spPr/>
-        <p:txBody>
-          <a:bodyPr/>
-          <a:lstStyle/>
-          <a:p>
-            <a:r>
-              <a:rPr lang="en-US" dirty="0"/>
-              <a:t>echo "# </a:t>
-            </a:r>
-            <a:r>
-              <a:rPr lang="en-US" dirty="0" err="1"/>
-              <a:t>SeleniumCourse</a:t>
-            </a:r>
-            <a:r>
-              <a:rPr lang="en-US" dirty="0"/>
-              <a:t>" &gt;&gt; </a:t>
-            </a:r>
-            <a:r>
-              <a:rPr lang="en-US" dirty="0" err="1"/>
-              <a:t>README.md</a:t>
-            </a:r>
-            <a:endParaRPr lang="en-US" dirty="0"/>
-          </a:p>
-          <a:p>
-            <a:r>
-              <a:rPr lang="en-US" dirty="0"/>
-              <a:t>git </a:t>
-            </a:r>
-            <a:r>
-              <a:rPr lang="en-US" dirty="0" err="1"/>
-              <a:t>init</a:t>
-            </a:r>
-            <a:endParaRPr lang="en-US" dirty="0"/>
-          </a:p>
-          <a:p>
-            <a:r>
-              <a:rPr lang="en-US" dirty="0"/>
-              <a:t>git add </a:t>
-            </a:r>
-            <a:r>
-              <a:rPr lang="en-US" dirty="0" err="1"/>
-              <a:t>README.md</a:t>
-            </a:r>
-            <a:endParaRPr lang="en-US" dirty="0"/>
-          </a:p>
-          <a:p>
-            <a:r>
-              <a:rPr lang="en-US" dirty="0"/>
-              <a:t>git commit -m "first commit"</a:t>
-            </a:r>
-          </a:p>
-          <a:p>
-            <a:r>
-              <a:rPr lang="en-US" dirty="0"/>
-              <a:t>git branch -M main</a:t>
-            </a:r>
-          </a:p>
-          <a:p>
-            <a:r>
-              <a:rPr lang="en-US" dirty="0"/>
-              <a:t>git remote add origin </a:t>
-            </a:r>
-            <a:r>
-              <a:rPr lang="en-US" dirty="0" err="1"/>
-              <a:t>git@github.com:rsai-praveen</a:t>
-            </a:r>
-            <a:r>
-              <a:rPr lang="en-US" dirty="0"/>
-              <a:t>/</a:t>
-            </a:r>
-            <a:r>
-              <a:rPr lang="en-US" dirty="0" err="1"/>
-              <a:t>SeleniumCourse.git</a:t>
-            </a:r>
-            <a:endParaRPr lang="en-US" dirty="0"/>
-          </a:p>
-          <a:p>
-            <a:r>
-              <a:rPr lang="en-US" dirty="0"/>
-              <a:t>git push -u origin main</a:t>
-            </a:r>
-          </a:p>
-        </p:txBody>
-      </p:sp>
-    </p:spTree>
-    <p:extLst>
-      <p:ext uri="{BB962C8B-B14F-4D97-AF65-F5344CB8AC3E}">
-        <p14:creationId xmlns:p14="http://schemas.microsoft.com/office/powerpoint/2010/main" val="2569567234"/>
       </p:ext>
     </p:extLst>
   </p:cSld>
